--- a/Apresentacao_GSM_Urbano.pptx
+++ b/Apresentacao_GSM_Urbano.pptx
@@ -5,20 +5,23 @@
     <p:sldMasterId id="2147483684" r:id="rId4"/>
   </p:sldMasterIdLst>
   <p:notesMasterIdLst>
-    <p:notesMasterId r:id="rId13"/>
+    <p:notesMasterId r:id="rId16"/>
   </p:notesMasterIdLst>
   <p:handoutMasterIdLst>
-    <p:handoutMasterId r:id="rId14"/>
+    <p:handoutMasterId r:id="rId17"/>
   </p:handoutMasterIdLst>
   <p:sldIdLst>
     <p:sldId id="257" r:id="rId5"/>
-    <p:sldId id="389" r:id="rId6"/>
-    <p:sldId id="392" r:id="rId7"/>
-    <p:sldId id="394" r:id="rId8"/>
-    <p:sldId id="397" r:id="rId9"/>
-    <p:sldId id="395" r:id="rId10"/>
-    <p:sldId id="398" r:id="rId11"/>
-    <p:sldId id="391" r:id="rId12"/>
+    <p:sldId id="399" r:id="rId6"/>
+    <p:sldId id="400" r:id="rId7"/>
+    <p:sldId id="389" r:id="rId8"/>
+    <p:sldId id="401" r:id="rId9"/>
+    <p:sldId id="392" r:id="rId10"/>
+    <p:sldId id="394" r:id="rId11"/>
+    <p:sldId id="397" r:id="rId12"/>
+    <p:sldId id="395" r:id="rId13"/>
+    <p:sldId id="398" r:id="rId14"/>
+    <p:sldId id="391" r:id="rId15"/>
   </p:sldIdLst>
   <p:sldSz cx="12192000" cy="6858000"/>
   <p:notesSz cx="6858000" cy="9144000"/>
@@ -235,7 +238,7 @@
             <a:pPr rtl="0"/>
             <a:fld id="{CD24227C-3F79-4894-AF29-54EEA2F15D74}" type="datetime1">
               <a:rPr lang="pt-PT" smtClean="0"/>
-              <a:t>12/06/2022</a:t>
+              <a:t>13/06/2022</a:t>
             </a:fld>
             <a:endParaRPr lang="pt-PT"/>
           </a:p>
@@ -417,7 +420,7 @@
             <a:pPr rtl="0"/>
             <a:fld id="{C3A83782-9536-4DB3-B57F-39CC12543AF1}" type="datetime1">
               <a:rPr lang="pt-PT" smtClean="0"/>
-              <a:t>12/06/2022</a:t>
+              <a:t>13/06/2022</a:t>
             </a:fld>
             <a:endParaRPr lang="pt-PT"/>
           </a:p>
@@ -785,7 +788,7 @@
             <a:pPr rtl="0"/>
             <a:fld id="{53D44CF9-213B-4D28-B0A4-B7B434E666D1}" type="datetime1">
               <a:rPr lang="pt-PT" smtClean="0"/>
-              <a:t>12/06/2022</a:t>
+              <a:t>13/06/2022</a:t>
             </a:fld>
             <a:endParaRPr lang="pt-PT"/>
           </a:p>
@@ -13104,7 +13107,7 @@
 </p:sld>
 </file>
 
-<file path=ppt/slides/slide2.xml><?xml version="1.0" encoding="utf-8"?>
+<file path=ppt/slides/slide10.xml><?xml version="1.0" encoding="utf-8"?>
 <p:sld xmlns:a="http://schemas.openxmlformats.org/drawingml/2006/main" xmlns:r="http://schemas.openxmlformats.org/officeDocument/2006/relationships" xmlns:p="http://schemas.openxmlformats.org/presentationml/2006/main">
   <p:cSld>
     <p:spTree>
@@ -13123,10 +13126,10 @@
       </p:grpSpPr>
       <p:sp>
         <p:nvSpPr>
-          <p:cNvPr id="2" name="Título 1">
-            <a:extLst>
-              <a:ext uri="{FF2B5EF4-FFF2-40B4-BE49-F238E27FC236}">
-                <a16:creationId xmlns:a16="http://schemas.microsoft.com/office/drawing/2014/main" id="{0046426E-F6F6-4A7C-9181-8C3090996261}"/>
+          <p:cNvPr id="9" name="Marcador de Posição do Número do Diapositivo 8">
+            <a:extLst>
+              <a:ext uri="{FF2B5EF4-FFF2-40B4-BE49-F238E27FC236}">
+                <a16:creationId xmlns:a16="http://schemas.microsoft.com/office/drawing/2014/main" id="{25AA6841-FF3B-4055-BE83-0BD7C7650B7C}"/>
               </a:ext>
             </a:extLst>
           </p:cNvPr>
@@ -13134,188 +13137,29 @@
             <a:spLocks noGrp="1"/>
           </p:cNvSpPr>
           <p:nvPr>
-            <p:ph type="title"/>
+            <p:ph type="sldNum" sz="quarter" idx="12"/>
           </p:nvPr>
         </p:nvSpPr>
-        <p:spPr>
-          <a:xfrm>
-            <a:off x="550863" y="556649"/>
-            <a:ext cx="4130193" cy="1997855"/>
-          </a:xfrm>
-        </p:spPr>
-        <p:txBody>
-          <a:bodyPr rtlCol="0"/>
+        <p:spPr/>
+        <p:txBody>
+          <a:bodyPr/>
           <a:lstStyle/>
           <a:p>
             <a:pPr rtl="0"/>
-            <a:r>
-              <a:rPr lang="pt-PT" dirty="0"/>
-              <a:t>Área de estudo</a:t>
-            </a:r>
-          </a:p>
-        </p:txBody>
-      </p:sp>
-      <p:sp>
-        <p:nvSpPr>
-          <p:cNvPr id="3" name="Marcador de Posição de Conteúdo 2">
-            <a:extLst>
-              <a:ext uri="{FF2B5EF4-FFF2-40B4-BE49-F238E27FC236}">
-                <a16:creationId xmlns:a16="http://schemas.microsoft.com/office/drawing/2014/main" id="{D3B60D6F-4D0F-4D33-B2A7-159C8583FF00}"/>
-              </a:ext>
-            </a:extLst>
-          </p:cNvPr>
-          <p:cNvSpPr>
-            <a:spLocks noGrp="1"/>
-          </p:cNvSpPr>
-          <p:nvPr>
-            <p:ph idx="1"/>
-          </p:nvPr>
-        </p:nvSpPr>
-        <p:spPr>
-          <a:xfrm>
-            <a:off x="550863" y="2677306"/>
-            <a:ext cx="3565525" cy="3415519"/>
-          </a:xfrm>
-        </p:spPr>
-        <p:txBody>
-          <a:bodyPr rtlCol="0"/>
-          <a:lstStyle/>
-          <a:p>
-            <a:pPr rtl="0"/>
-            <a:r>
-              <a:rPr lang="pt-PT" dirty="0"/>
-              <a:t>Zona:</a:t>
-            </a:r>
-            <a:br>
-              <a:rPr lang="pt-PT" dirty="0"/>
-            </a:br>
-            <a:r>
-              <a:rPr lang="pt-PT" dirty="0"/>
-              <a:t>- Marinha Grande, Distrito: Leiria</a:t>
-            </a:r>
-            <a:br>
-              <a:rPr lang="pt-PT" dirty="0"/>
-            </a:br>
-            <a:r>
-              <a:rPr lang="pt-PT" dirty="0"/>
-              <a:t>- </a:t>
-            </a:r>
-            <a:r>
-              <a:rPr lang="pt-PT" b="0" i="0" dirty="0">
-                <a:effectLst/>
-                <a:latin typeface="Roboto" panose="020B0604020202020204" pitchFamily="2" charset="0"/>
-              </a:rPr>
-              <a:t>139 km² de área </a:t>
-            </a:r>
-            <a:br>
-              <a:rPr lang="pt-PT" b="0" i="0" dirty="0">
-                <a:effectLst/>
-                <a:latin typeface="Roboto" panose="020B0604020202020204" pitchFamily="2" charset="0"/>
-              </a:rPr>
-            </a:br>
-            <a:r>
-              <a:rPr lang="pt-PT" b="0" i="0" dirty="0">
-                <a:effectLst/>
-                <a:latin typeface="Roboto" panose="020B0604020202020204" pitchFamily="2" charset="0"/>
-              </a:rPr>
-              <a:t> - 31 413 habitantes</a:t>
-            </a:r>
-            <a:endParaRPr lang="pt-PT" dirty="0"/>
-          </a:p>
-          <a:p>
-            <a:pPr rtl="0"/>
-            <a:r>
-              <a:rPr lang="pt-PT" dirty="0"/>
-              <a:t> Área em estudo:</a:t>
-            </a:r>
-            <a:br>
-              <a:rPr lang="pt-PT" dirty="0"/>
-            </a:br>
-            <a:r>
-              <a:rPr lang="pt-PT" dirty="0"/>
-              <a:t>- 28 Km2</a:t>
-            </a:r>
-            <a:br>
-              <a:rPr lang="pt-PT" dirty="0"/>
-            </a:br>
-            <a:r>
-              <a:rPr lang="pt-PT" dirty="0"/>
-              <a:t>- 6300 </a:t>
-            </a:r>
-            <a:r>
-              <a:rPr lang="pt-PT" b="0" i="0" dirty="0">
-                <a:effectLst/>
-                <a:latin typeface="Roboto" panose="020B0604020202020204" pitchFamily="2" charset="0"/>
-              </a:rPr>
-              <a:t>habitantes</a:t>
-            </a:r>
-            <a:br>
-              <a:rPr lang="pt-PT" dirty="0"/>
-            </a:br>
-            <a:r>
-              <a:rPr lang="pt-PT" dirty="0"/>
-              <a:t>       </a:t>
-            </a:r>
-          </a:p>
-          <a:p>
-            <a:pPr rtl="0"/>
-            <a:endParaRPr lang="pt-PT" dirty="0"/>
-          </a:p>
-        </p:txBody>
-      </p:sp>
-      <p:sp>
-        <p:nvSpPr>
-          <p:cNvPr id="13" name="Marcador de Posição da Data 12">
-            <a:extLst>
-              <a:ext uri="{FF2B5EF4-FFF2-40B4-BE49-F238E27FC236}">
-                <a16:creationId xmlns:a16="http://schemas.microsoft.com/office/drawing/2014/main" id="{915FE2C5-E66A-4405-B19E-2C5C546C98E4}"/>
-              </a:ext>
-            </a:extLst>
-          </p:cNvPr>
-          <p:cNvSpPr>
-            <a:spLocks noGrp="1"/>
-          </p:cNvSpPr>
-          <p:nvPr>
-            <p:ph type="dt" sz="half" idx="10"/>
-          </p:nvPr>
-        </p:nvSpPr>
-        <p:spPr>
-          <a:xfrm>
-            <a:off x="550862" y="6507212"/>
-            <a:ext cx="4776147" cy="153888"/>
-          </a:xfrm>
-        </p:spPr>
-        <p:txBody>
-          <a:bodyPr rtlCol="0"/>
-          <a:lstStyle/>
-          <a:p>
-            <a:pPr rtl="0"/>
-            <a:r>
-              <a:rPr lang="pt-PT" sz="1000" dirty="0">
-                <a:latin typeface="+mn-lt"/>
-              </a:rPr>
-              <a:t>PLANEAMENTO E OTIMIZACÂO DE UMA  REDE MOVEL </a:t>
-            </a:r>
-            <a:r>
-              <a:rPr lang="pt-PT" dirty="0"/>
-              <a:t>GSM</a:t>
-            </a:r>
-            <a:r>
-              <a:rPr lang="pt-PT" sz="1000" dirty="0">
-                <a:latin typeface="+mn-lt"/>
-              </a:rPr>
-              <a:t> - CENÁRIO URBANO</a:t>
-            </a:r>
-            <a:endParaRPr lang="pt-PT" dirty="0"/>
-          </a:p>
-        </p:txBody>
-      </p:sp>
-      <p:sp>
-        <p:nvSpPr>
-          <p:cNvPr id="14" name="Marcador de Posição do Rodapé 13">
-            <a:extLst>
-              <a:ext uri="{FF2B5EF4-FFF2-40B4-BE49-F238E27FC236}">
-                <a16:creationId xmlns:a16="http://schemas.microsoft.com/office/drawing/2014/main" id="{B01DF4D0-78BC-4C8C-9570-26F0B225433A}"/>
+            <a:fld id="{DBA1B0FB-D917-4C8C-928F-313BD683BF39}" type="slidenum">
+              <a:rPr lang="pt-PT" smtClean="0"/>
+              <a:t>10</a:t>
+            </a:fld>
+            <a:endParaRPr lang="pt-PT"/>
+          </a:p>
+        </p:txBody>
+      </p:sp>
+      <p:sp>
+        <p:nvSpPr>
+          <p:cNvPr id="28" name="Marcador de Posição do Rodapé 13">
+            <a:extLst>
+              <a:ext uri="{FF2B5EF4-FFF2-40B4-BE49-F238E27FC236}">
+                <a16:creationId xmlns:a16="http://schemas.microsoft.com/office/drawing/2014/main" id="{37B2D340-5E52-441A-8320-84D559BE66FA}"/>
               </a:ext>
             </a:extLst>
           </p:cNvPr>
@@ -13346,238 +13190,54 @@
       </p:sp>
       <p:sp>
         <p:nvSpPr>
-          <p:cNvPr id="15" name="Marcador de Posição do Número do Diapositivo 14">
-            <a:extLst>
-              <a:ext uri="{FF2B5EF4-FFF2-40B4-BE49-F238E27FC236}">
-                <a16:creationId xmlns:a16="http://schemas.microsoft.com/office/drawing/2014/main" id="{3B199C97-F175-437D-8311-DB662925C063}"/>
-              </a:ext>
-            </a:extLst>
-          </p:cNvPr>
-          <p:cNvSpPr>
-            <a:spLocks noGrp="1"/>
+          <p:cNvPr id="33" name="Título 1">
+            <a:extLst>
+              <a:ext uri="{FF2B5EF4-FFF2-40B4-BE49-F238E27FC236}">
+                <a16:creationId xmlns:a16="http://schemas.microsoft.com/office/drawing/2014/main" id="{AE16C2DC-208A-45FF-9BD5-6873DC54A02A}"/>
+              </a:ext>
+            </a:extLst>
+          </p:cNvPr>
+          <p:cNvSpPr txBox="1">
+            <a:spLocks/>
           </p:cNvSpPr>
-          <p:nvPr>
-            <p:ph type="sldNum" sz="quarter" idx="12"/>
-          </p:nvPr>
+          <p:nvPr/>
         </p:nvSpPr>
         <p:spPr>
           <a:xfrm>
-            <a:off x="9948863" y="6507212"/>
-            <a:ext cx="1692274" cy="153888"/>
-          </a:xfrm>
-        </p:spPr>
-        <p:txBody>
-          <a:bodyPr rtlCol="0"/>
-          <a:lstStyle/>
-          <a:p>
-            <a:pPr rtl="0"/>
-            <a:fld id="{DBA1B0FB-D917-4C8C-928F-313BD683BF39}" type="slidenum">
-              <a:rPr lang="pt-PT" smtClean="0"/>
-              <a:pPr/>
-              <a:t>2</a:t>
-            </a:fld>
-            <a:endParaRPr lang="pt-PT" dirty="0"/>
-          </a:p>
-        </p:txBody>
-      </p:sp>
-      <p:pic>
-        <p:nvPicPr>
-          <p:cNvPr id="5" name="Imagem 4" descr="Uma imagem com mapa&#10;&#10;Descrição gerada automaticamente">
-            <a:extLst>
-              <a:ext uri="{FF2B5EF4-FFF2-40B4-BE49-F238E27FC236}">
-                <a16:creationId xmlns:a16="http://schemas.microsoft.com/office/drawing/2014/main" id="{38FB0F8E-C533-2B27-C239-7A2EAED5EA1F}"/>
-              </a:ext>
-            </a:extLst>
-          </p:cNvPr>
-          <p:cNvPicPr>
-            <a:picLocks noChangeAspect="1"/>
-          </p:cNvPicPr>
-          <p:nvPr/>
-        </p:nvPicPr>
-        <p:blipFill>
-          <a:blip r:embed="rId2"/>
-          <a:stretch>
-            <a:fillRect/>
-          </a:stretch>
-        </p:blipFill>
-        <p:spPr>
-          <a:xfrm>
-            <a:off x="7684564" y="1024265"/>
-            <a:ext cx="3565525" cy="2005608"/>
+            <a:off x="461463" y="785490"/>
+            <a:ext cx="11106955" cy="679508"/>
           </a:xfrm>
           <a:prstGeom prst="rect">
             <a:avLst/>
           </a:prstGeom>
         </p:spPr>
-      </p:pic>
-      <p:pic>
-        <p:nvPicPr>
-          <p:cNvPr id="10" name="Imagem 9" descr="Uma imagem com mapa&#10;&#10;Descrição gerada automaticamente">
-            <a:extLst>
-              <a:ext uri="{FF2B5EF4-FFF2-40B4-BE49-F238E27FC236}">
-                <a16:creationId xmlns:a16="http://schemas.microsoft.com/office/drawing/2014/main" id="{C419E2C9-6FE3-E774-210E-E2E850ADA088}"/>
-              </a:ext>
-            </a:extLst>
-          </p:cNvPr>
-          <p:cNvPicPr>
-            <a:picLocks noChangeAspect="1"/>
-          </p:cNvPicPr>
-          <p:nvPr/>
-        </p:nvPicPr>
-        <p:blipFill>
-          <a:blip r:embed="rId3" cstate="print">
-            <a:extLst>
-              <a:ext uri="{28A0092B-C50C-407E-A947-70E740481C1C}">
-                <a14:useLocalDpi xmlns:a14="http://schemas.microsoft.com/office/drawing/2010/main" val="0"/>
-              </a:ext>
-            </a:extLst>
-          </a:blip>
-          <a:srcRect/>
-          <a:stretch>
-            <a:fillRect/>
-          </a:stretch>
-        </p:blipFill>
-        <p:spPr bwMode="auto">
-          <a:xfrm>
-            <a:off x="7651496" y="3311085"/>
-            <a:ext cx="3598593" cy="2781740"/>
-          </a:xfrm>
-          <a:prstGeom prst="rect">
-            <a:avLst/>
-          </a:prstGeom>
-          <a:noFill/>
-          <a:ln>
-            <a:noFill/>
-          </a:ln>
-        </p:spPr>
-      </p:pic>
-    </p:spTree>
-    <p:extLst>
-      <p:ext uri="{BB962C8B-B14F-4D97-AF65-F5344CB8AC3E}">
-        <p14:creationId xmlns:p14="http://schemas.microsoft.com/office/powerpoint/2010/main" val="2313234867"/>
-      </p:ext>
-    </p:extLst>
-  </p:cSld>
-  <p:clrMapOvr>
-    <a:masterClrMapping/>
-  </p:clrMapOvr>
-</p:sld>
-</file>
-
-<file path=ppt/slides/slide3.xml><?xml version="1.0" encoding="utf-8"?>
-<p:sld xmlns:a="http://schemas.openxmlformats.org/drawingml/2006/main" xmlns:r="http://schemas.openxmlformats.org/officeDocument/2006/relationships" xmlns:p="http://schemas.openxmlformats.org/presentationml/2006/main">
-  <p:cSld>
-    <p:spTree>
-      <p:nvGrpSpPr>
-        <p:cNvPr id="1" name=""/>
-        <p:cNvGrpSpPr/>
-        <p:nvPr/>
-      </p:nvGrpSpPr>
-      <p:grpSpPr>
-        <a:xfrm>
-          <a:off x="0" y="0"/>
-          <a:ext cx="0" cy="0"/>
-          <a:chOff x="0" y="0"/>
-          <a:chExt cx="0" cy="0"/>
-        </a:xfrm>
-      </p:grpSpPr>
-      <p:sp>
-        <p:nvSpPr>
-          <p:cNvPr id="9" name="Marcador de Posição do Número do Diapositivo 8">
-            <a:extLst>
-              <a:ext uri="{FF2B5EF4-FFF2-40B4-BE49-F238E27FC236}">
-                <a16:creationId xmlns:a16="http://schemas.microsoft.com/office/drawing/2014/main" id="{25AA6841-FF3B-4055-BE83-0BD7C7650B7C}"/>
-              </a:ext>
-            </a:extLst>
-          </p:cNvPr>
-          <p:cNvSpPr>
-            <a:spLocks noGrp="1"/>
-          </p:cNvSpPr>
-          <p:nvPr>
-            <p:ph type="sldNum" sz="quarter" idx="12"/>
-          </p:nvPr>
-        </p:nvSpPr>
-        <p:spPr/>
-        <p:txBody>
-          <a:bodyPr/>
-          <a:lstStyle/>
-          <a:p>
-            <a:pPr rtl="0"/>
-            <a:fld id="{DBA1B0FB-D917-4C8C-928F-313BD683BF39}" type="slidenum">
-              <a:rPr lang="pt-PT" smtClean="0"/>
-              <a:t>3</a:t>
-            </a:fld>
-            <a:endParaRPr lang="pt-PT"/>
-          </a:p>
-        </p:txBody>
-      </p:sp>
-      <p:sp>
-        <p:nvSpPr>
-          <p:cNvPr id="27" name="Marcador de Posição da Data 12">
-            <a:extLst>
-              <a:ext uri="{FF2B5EF4-FFF2-40B4-BE49-F238E27FC236}">
-                <a16:creationId xmlns:a16="http://schemas.microsoft.com/office/drawing/2014/main" id="{F7653A5B-DA9F-46D6-970B-0D257143E6AE}"/>
-              </a:ext>
-            </a:extLst>
-          </p:cNvPr>
-          <p:cNvSpPr>
-            <a:spLocks noGrp="1"/>
-          </p:cNvSpPr>
-          <p:nvPr>
-            <p:ph type="dt" sz="half" idx="10"/>
-          </p:nvPr>
-        </p:nvSpPr>
-        <p:spPr>
-          <a:xfrm>
-            <a:off x="550862" y="6507212"/>
-            <a:ext cx="4776147" cy="153888"/>
-          </a:xfrm>
-        </p:spPr>
-        <p:txBody>
-          <a:bodyPr rtlCol="0"/>
-          <a:lstStyle/>
-          <a:p>
-            <a:pPr rtl="0"/>
-            <a:r>
-              <a:rPr lang="pt-PT" sz="1000" dirty="0">
-                <a:latin typeface="+mn-lt"/>
-              </a:rPr>
-              <a:t>PLANEAMENTO E OTIMIZACÂO DE UMA  REDE MOVEL GSM - CENÁRIO URBANO</a:t>
-            </a:r>
-            <a:endParaRPr lang="pt-PT" dirty="0"/>
-          </a:p>
-        </p:txBody>
-      </p:sp>
-      <p:sp>
-        <p:nvSpPr>
-          <p:cNvPr id="28" name="Marcador de Posição do Rodapé 13">
-            <a:extLst>
-              <a:ext uri="{FF2B5EF4-FFF2-40B4-BE49-F238E27FC236}">
-                <a16:creationId xmlns:a16="http://schemas.microsoft.com/office/drawing/2014/main" id="{37B2D340-5E52-441A-8320-84D559BE66FA}"/>
-              </a:ext>
-            </a:extLst>
-          </p:cNvPr>
-          <p:cNvSpPr>
-            <a:spLocks noGrp="1"/>
-          </p:cNvSpPr>
-          <p:nvPr>
-            <p:ph type="ftr" sz="quarter" idx="11"/>
-          </p:nvPr>
-        </p:nvSpPr>
-        <p:spPr>
-          <a:xfrm>
-            <a:off x="9227890" y="6507212"/>
-            <a:ext cx="1912690" cy="153888"/>
-          </a:xfrm>
-        </p:spPr>
-        <p:txBody>
-          <a:bodyPr rtlCol="0"/>
-          <a:lstStyle/>
-          <a:p>
-            <a:pPr rtl="0"/>
-            <a:r>
-              <a:rPr lang="en-US" sz="1000" dirty="0"/>
-              <a:t>COMUNICAÇÕES MÓVEIS</a:t>
+        <p:txBody>
+          <a:bodyPr vert="horz" wrap="square" lIns="0" tIns="0" rIns="0" bIns="0" rtlCol="0" anchor="b" anchorCtr="0">
+            <a:noAutofit/>
+          </a:bodyPr>
+          <a:lstStyle>
+            <a:lvl1pPr algn="l" defTabSz="914400" rtl="0" eaLnBrk="1" latinLnBrk="0" hangingPunct="1">
+              <a:lnSpc>
+                <a:spcPct val="90000"/>
+              </a:lnSpc>
+              <a:spcBef>
+                <a:spcPct val="0"/>
+              </a:spcBef>
+              <a:buNone/>
+              <a:defRPr lang="pt-PT" sz="4800" kern="1200">
+                <a:solidFill>
+                  <a:schemeClr val="tx1"/>
+                </a:solidFill>
+                <a:latin typeface="+mj-lt"/>
+                <a:ea typeface="+mj-ea"/>
+                <a:cs typeface="+mj-cs"/>
+              </a:defRPr>
+            </a:lvl1pPr>
+          </a:lstStyle>
+          <a:p>
+            <a:r>
+              <a:rPr lang="pt-PT" sz="4400" dirty="0"/>
+              <a:t>Comparação modelos de propagação</a:t>
             </a:r>
           </a:p>
         </p:txBody>
@@ -13598,8 +13258,8 @@
         </p:nvSpPr>
         <p:spPr>
           <a:xfrm>
-            <a:off x="461463" y="1563808"/>
-            <a:ext cx="4308582" cy="4618878"/>
+            <a:off x="461464" y="1459937"/>
+            <a:ext cx="4457845" cy="1666082"/>
           </a:xfrm>
           <a:prstGeom prst="rect">
             <a:avLst/>
@@ -13799,53 +13459,230 @@
             </a:lvl9pPr>
           </a:lstStyle>
           <a:p>
-            <a:r>
-              <a:rPr lang="pt-PT" b="1" dirty="0"/>
-              <a:t>Estações base:</a:t>
-            </a:r>
-          </a:p>
-          <a:p>
-            <a:pPr marL="0" indent="0"/>
-            <a:r>
+            <a:br>
               <a:rPr lang="pt-PT" dirty="0"/>
-              <a:t>Antenas direcionais</a:t>
-            </a:r>
-          </a:p>
-          <a:p>
-            <a:pPr marL="0" indent="0"/>
+            </a:br>
             <a:r>
               <a:rPr lang="pt-PT" dirty="0"/>
-              <a:t>7 antenas, 7 estações base</a:t>
-            </a:r>
-          </a:p>
-          <a:p>
-            <a:pPr marL="0" indent="0"/>
-            <a:r>
-              <a:rPr lang="pt-PT" dirty="0"/>
-              <a:t>Frequências do espetro GSM diferentes </a:t>
-            </a:r>
-          </a:p>
-          <a:p>
-            <a:pPr marL="0" indent="0"/>
-            <a:r>
-              <a:rPr lang="pt-PT" dirty="0"/>
-              <a:t>Setorização de 60º</a:t>
+              <a:t>       </a:t>
             </a:r>
           </a:p>
           <a:p>
             <a:endParaRPr lang="pt-PT" dirty="0"/>
           </a:p>
-          <a:p>
-            <a:endParaRPr lang="pt-PT" dirty="0"/>
-          </a:p>
-        </p:txBody>
-      </p:sp>
-      <p:sp>
-        <p:nvSpPr>
-          <p:cNvPr id="35" name="Marcador de Posição de Conteúdo 2">
-            <a:extLst>
-              <a:ext uri="{FF2B5EF4-FFF2-40B4-BE49-F238E27FC236}">
-                <a16:creationId xmlns:a16="http://schemas.microsoft.com/office/drawing/2014/main" id="{EEAB2708-A6BE-409B-9840-82CA6544F15B}"/>
+        </p:txBody>
+      </p:sp>
+      <p:pic>
+        <p:nvPicPr>
+          <p:cNvPr id="10" name="Imagem 9">
+            <a:extLst>
+              <a:ext uri="{FF2B5EF4-FFF2-40B4-BE49-F238E27FC236}">
+                <a16:creationId xmlns:a16="http://schemas.microsoft.com/office/drawing/2014/main" id="{561F36CE-6B7C-13DF-448C-43CFDD0FC7D5}"/>
+              </a:ext>
+            </a:extLst>
+          </p:cNvPr>
+          <p:cNvPicPr>
+            <a:picLocks noChangeAspect="1"/>
+          </p:cNvPicPr>
+          <p:nvPr/>
+        </p:nvPicPr>
+        <p:blipFill>
+          <a:blip r:embed="rId2">
+            <a:extLst>
+              <a:ext uri="{28A0092B-C50C-407E-A947-70E740481C1C}">
+                <a14:useLocalDpi xmlns:a14="http://schemas.microsoft.com/office/drawing/2010/main" val="0"/>
+              </a:ext>
+            </a:extLst>
+          </a:blip>
+          <a:srcRect/>
+          <a:stretch>
+            <a:fillRect/>
+          </a:stretch>
+        </p:blipFill>
+        <p:spPr bwMode="auto">
+          <a:xfrm>
+            <a:off x="263404" y="2288541"/>
+            <a:ext cx="3723779" cy="2782179"/>
+          </a:xfrm>
+          <a:prstGeom prst="rect">
+            <a:avLst/>
+          </a:prstGeom>
+          <a:noFill/>
+          <a:ln>
+            <a:noFill/>
+          </a:ln>
+        </p:spPr>
+      </p:pic>
+      <p:pic>
+        <p:nvPicPr>
+          <p:cNvPr id="12" name="Imagem 11">
+            <a:extLst>
+              <a:ext uri="{FF2B5EF4-FFF2-40B4-BE49-F238E27FC236}">
+                <a16:creationId xmlns:a16="http://schemas.microsoft.com/office/drawing/2014/main" id="{19285C4C-303A-D51D-C4FE-7FCB07A8FD63}"/>
+              </a:ext>
+            </a:extLst>
+          </p:cNvPr>
+          <p:cNvPicPr>
+            <a:picLocks noChangeAspect="1"/>
+          </p:cNvPicPr>
+          <p:nvPr/>
+        </p:nvPicPr>
+        <p:blipFill>
+          <a:blip r:embed="rId3">
+            <a:extLst>
+              <a:ext uri="{28A0092B-C50C-407E-A947-70E740481C1C}">
+                <a14:useLocalDpi xmlns:a14="http://schemas.microsoft.com/office/drawing/2010/main" val="0"/>
+              </a:ext>
+            </a:extLst>
+          </a:blip>
+          <a:srcRect/>
+          <a:stretch>
+            <a:fillRect/>
+          </a:stretch>
+        </p:blipFill>
+        <p:spPr bwMode="auto">
+          <a:xfrm>
+            <a:off x="8471516" y="2069715"/>
+            <a:ext cx="3457080" cy="2697062"/>
+          </a:xfrm>
+          <a:prstGeom prst="rect">
+            <a:avLst/>
+          </a:prstGeom>
+          <a:noFill/>
+          <a:ln>
+            <a:noFill/>
+          </a:ln>
+        </p:spPr>
+      </p:pic>
+      <p:pic>
+        <p:nvPicPr>
+          <p:cNvPr id="14" name="Imagem 13" descr="Uma imagem com texto&#10;&#10;Descrição gerada automaticamente">
+            <a:extLst>
+              <a:ext uri="{FF2B5EF4-FFF2-40B4-BE49-F238E27FC236}">
+                <a16:creationId xmlns:a16="http://schemas.microsoft.com/office/drawing/2014/main" id="{B1FDB587-026F-AA7C-DF19-378CE9E71FCD}"/>
+              </a:ext>
+            </a:extLst>
+          </p:cNvPr>
+          <p:cNvPicPr>
+            <a:picLocks noChangeAspect="1"/>
+          </p:cNvPicPr>
+          <p:nvPr/>
+        </p:nvPicPr>
+        <p:blipFill>
+          <a:blip r:embed="rId4">
+            <a:extLst>
+              <a:ext uri="{28A0092B-C50C-407E-A947-70E740481C1C}">
+                <a14:useLocalDpi xmlns:a14="http://schemas.microsoft.com/office/drawing/2010/main" val="0"/>
+              </a:ext>
+            </a:extLst>
+          </a:blip>
+          <a:srcRect/>
+          <a:stretch>
+            <a:fillRect/>
+          </a:stretch>
+        </p:blipFill>
+        <p:spPr bwMode="auto">
+          <a:xfrm>
+            <a:off x="8504781" y="5070720"/>
+            <a:ext cx="3390549" cy="1094304"/>
+          </a:xfrm>
+          <a:prstGeom prst="rect">
+            <a:avLst/>
+          </a:prstGeom>
+          <a:noFill/>
+          <a:ln>
+            <a:noFill/>
+          </a:ln>
+        </p:spPr>
+      </p:pic>
+      <p:pic>
+        <p:nvPicPr>
+          <p:cNvPr id="15" name="Imagem 14" descr="Uma imagem com texto&#10;&#10;Descrição gerada automaticamente">
+            <a:extLst>
+              <a:ext uri="{FF2B5EF4-FFF2-40B4-BE49-F238E27FC236}">
+                <a16:creationId xmlns:a16="http://schemas.microsoft.com/office/drawing/2014/main" id="{683DC606-BAD2-50A3-6E5A-153912D6DE67}"/>
+              </a:ext>
+            </a:extLst>
+          </p:cNvPr>
+          <p:cNvPicPr>
+            <a:picLocks noChangeAspect="1"/>
+          </p:cNvPicPr>
+          <p:nvPr/>
+        </p:nvPicPr>
+        <p:blipFill>
+          <a:blip r:embed="rId5">
+            <a:extLst>
+              <a:ext uri="{28A0092B-C50C-407E-A947-70E740481C1C}">
+                <a14:useLocalDpi xmlns:a14="http://schemas.microsoft.com/office/drawing/2010/main" val="0"/>
+              </a:ext>
+            </a:extLst>
+          </a:blip>
+          <a:srcRect/>
+          <a:stretch>
+            <a:fillRect/>
+          </a:stretch>
+        </p:blipFill>
+        <p:spPr bwMode="auto">
+          <a:xfrm>
+            <a:off x="263403" y="5230091"/>
+            <a:ext cx="3876797" cy="1139271"/>
+          </a:xfrm>
+          <a:prstGeom prst="rect">
+            <a:avLst/>
+          </a:prstGeom>
+          <a:noFill/>
+          <a:ln>
+            <a:noFill/>
+          </a:ln>
+        </p:spPr>
+      </p:pic>
+      <p:pic>
+        <p:nvPicPr>
+          <p:cNvPr id="16" name="Imagem 15" descr="Uma imagem com mapa&#10;&#10;Descrição gerada automaticamente">
+            <a:extLst>
+              <a:ext uri="{FF2B5EF4-FFF2-40B4-BE49-F238E27FC236}">
+                <a16:creationId xmlns:a16="http://schemas.microsoft.com/office/drawing/2014/main" id="{719FD758-5A3B-2601-F6DB-07496036BD32}"/>
+              </a:ext>
+            </a:extLst>
+          </p:cNvPr>
+          <p:cNvPicPr>
+            <a:picLocks noChangeAspect="1"/>
+          </p:cNvPicPr>
+          <p:nvPr/>
+        </p:nvPicPr>
+        <p:blipFill>
+          <a:blip r:embed="rId6" cstate="print">
+            <a:extLst>
+              <a:ext uri="{28A0092B-C50C-407E-A947-70E740481C1C}">
+                <a14:useLocalDpi xmlns:a14="http://schemas.microsoft.com/office/drawing/2010/main" val="0"/>
+              </a:ext>
+            </a:extLst>
+          </a:blip>
+          <a:srcRect/>
+          <a:stretch>
+            <a:fillRect/>
+          </a:stretch>
+        </p:blipFill>
+        <p:spPr bwMode="auto">
+          <a:xfrm>
+            <a:off x="3994994" y="2536263"/>
+            <a:ext cx="4248869" cy="3536247"/>
+          </a:xfrm>
+          <a:prstGeom prst="rect">
+            <a:avLst/>
+          </a:prstGeom>
+          <a:noFill/>
+          <a:ln>
+            <a:noFill/>
+          </a:ln>
+        </p:spPr>
+      </p:pic>
+      <p:sp>
+        <p:nvSpPr>
+          <p:cNvPr id="17" name="Marcador de Posição da Data 12">
+            <a:extLst>
+              <a:ext uri="{FF2B5EF4-FFF2-40B4-BE49-F238E27FC236}">
+                <a16:creationId xmlns:a16="http://schemas.microsoft.com/office/drawing/2014/main" id="{C932F45A-ACBC-540E-681A-648A311F5E74}"/>
               </a:ext>
             </a:extLst>
           </p:cNvPr>
@@ -13856,8 +13693,2289 @@
         </p:nvSpPr>
         <p:spPr>
           <a:xfrm>
-            <a:off x="4770045" y="1459937"/>
-            <a:ext cx="4457845" cy="1605711"/>
+            <a:off x="302312" y="6615856"/>
+            <a:ext cx="4776147" cy="153888"/>
+          </a:xfrm>
+          <a:prstGeom prst="rect">
+            <a:avLst/>
+          </a:prstGeom>
+        </p:spPr>
+        <p:txBody>
+          <a:bodyPr vert="horz" wrap="square" lIns="0" tIns="0" rIns="0" bIns="0" rtlCol="0" anchor="ctr">
+            <a:noAutofit/>
+          </a:bodyPr>
+          <a:lstStyle>
+            <a:defPPr rtl="0">
+              <a:defRPr lang="pt-PT"/>
+            </a:defPPr>
+            <a:lvl1pPr marL="0" algn="l" defTabSz="914400" rtl="0" eaLnBrk="1" latinLnBrk="0" hangingPunct="1">
+              <a:defRPr sz="1000" kern="1200">
+                <a:solidFill>
+                  <a:schemeClr val="tx1">
+                    <a:lumMod val="65000"/>
+                    <a:alpha val="80000"/>
+                  </a:schemeClr>
+                </a:solidFill>
+                <a:latin typeface="+mn-lt"/>
+                <a:ea typeface="+mn-ea"/>
+                <a:cs typeface="+mn-cs"/>
+              </a:defRPr>
+            </a:lvl1pPr>
+            <a:lvl2pPr marL="457200" algn="l" defTabSz="914400" rtl="0" eaLnBrk="1" latinLnBrk="0" hangingPunct="1">
+              <a:defRPr sz="1800" kern="1200">
+                <a:solidFill>
+                  <a:schemeClr val="tx1"/>
+                </a:solidFill>
+                <a:latin typeface="+mn-lt"/>
+                <a:ea typeface="+mn-ea"/>
+                <a:cs typeface="+mn-cs"/>
+              </a:defRPr>
+            </a:lvl2pPr>
+            <a:lvl3pPr marL="914400" algn="l" defTabSz="914400" rtl="0" eaLnBrk="1" latinLnBrk="0" hangingPunct="1">
+              <a:defRPr sz="1800" kern="1200">
+                <a:solidFill>
+                  <a:schemeClr val="tx1"/>
+                </a:solidFill>
+                <a:latin typeface="+mn-lt"/>
+                <a:ea typeface="+mn-ea"/>
+                <a:cs typeface="+mn-cs"/>
+              </a:defRPr>
+            </a:lvl3pPr>
+            <a:lvl4pPr marL="1371600" algn="l" defTabSz="914400" rtl="0" eaLnBrk="1" latinLnBrk="0" hangingPunct="1">
+              <a:defRPr sz="1800" kern="1200">
+                <a:solidFill>
+                  <a:schemeClr val="tx1"/>
+                </a:solidFill>
+                <a:latin typeface="+mn-lt"/>
+                <a:ea typeface="+mn-ea"/>
+                <a:cs typeface="+mn-cs"/>
+              </a:defRPr>
+            </a:lvl4pPr>
+            <a:lvl5pPr marL="1828800" algn="l" defTabSz="914400" rtl="0" eaLnBrk="1" latinLnBrk="0" hangingPunct="1">
+              <a:defRPr sz="1800" kern="1200">
+                <a:solidFill>
+                  <a:schemeClr val="tx1"/>
+                </a:solidFill>
+                <a:latin typeface="+mn-lt"/>
+                <a:ea typeface="+mn-ea"/>
+                <a:cs typeface="+mn-cs"/>
+              </a:defRPr>
+            </a:lvl5pPr>
+            <a:lvl6pPr marL="2286000" algn="l" defTabSz="914400" rtl="0" eaLnBrk="1" latinLnBrk="0" hangingPunct="1">
+              <a:defRPr sz="1800" kern="1200">
+                <a:solidFill>
+                  <a:schemeClr val="tx1"/>
+                </a:solidFill>
+                <a:latin typeface="+mn-lt"/>
+                <a:ea typeface="+mn-ea"/>
+                <a:cs typeface="+mn-cs"/>
+              </a:defRPr>
+            </a:lvl6pPr>
+            <a:lvl7pPr marL="2743200" algn="l" defTabSz="914400" rtl="0" eaLnBrk="1" latinLnBrk="0" hangingPunct="1">
+              <a:defRPr sz="1800" kern="1200">
+                <a:solidFill>
+                  <a:schemeClr val="tx1"/>
+                </a:solidFill>
+                <a:latin typeface="+mn-lt"/>
+                <a:ea typeface="+mn-ea"/>
+                <a:cs typeface="+mn-cs"/>
+              </a:defRPr>
+            </a:lvl7pPr>
+            <a:lvl8pPr marL="3200400" algn="l" defTabSz="914400" rtl="0" eaLnBrk="1" latinLnBrk="0" hangingPunct="1">
+              <a:defRPr sz="1800" kern="1200">
+                <a:solidFill>
+                  <a:schemeClr val="tx1"/>
+                </a:solidFill>
+                <a:latin typeface="+mn-lt"/>
+                <a:ea typeface="+mn-ea"/>
+                <a:cs typeface="+mn-cs"/>
+              </a:defRPr>
+            </a:lvl8pPr>
+            <a:lvl9pPr marL="3657600" algn="l" defTabSz="914400" rtl="0" eaLnBrk="1" latinLnBrk="0" hangingPunct="1">
+              <a:defRPr sz="1800" kern="1200">
+                <a:solidFill>
+                  <a:schemeClr val="tx1"/>
+                </a:solidFill>
+                <a:latin typeface="+mn-lt"/>
+                <a:ea typeface="+mn-ea"/>
+                <a:cs typeface="+mn-cs"/>
+              </a:defRPr>
+            </a:lvl9pPr>
+          </a:lstStyle>
+          <a:p>
+            <a:r>
+              <a:rPr lang="pt-PT" dirty="0"/>
+              <a:t>PLANEAMENTO E OTIMIZACÂO DE UMA  REDE MOVEL GSM - CENÁRIO URBANO</a:t>
+            </a:r>
+          </a:p>
+        </p:txBody>
+      </p:sp>
+      <p:sp>
+        <p:nvSpPr>
+          <p:cNvPr id="2" name="CaixaDeTexto 1">
+            <a:extLst>
+              <a:ext uri="{FF2B5EF4-FFF2-40B4-BE49-F238E27FC236}">
+                <a16:creationId xmlns:a16="http://schemas.microsoft.com/office/drawing/2014/main" id="{A59127DD-328E-491E-3D69-B3FE413CF013}"/>
+              </a:ext>
+            </a:extLst>
+          </p:cNvPr>
+          <p:cNvSpPr txBox="1"/>
+          <p:nvPr/>
+        </p:nvSpPr>
+        <p:spPr>
+          <a:xfrm>
+            <a:off x="9575498" y="1710158"/>
+            <a:ext cx="2616502" cy="369332"/>
+          </a:xfrm>
+          <a:prstGeom prst="rect">
+            <a:avLst/>
+          </a:prstGeom>
+          <a:noFill/>
+        </p:spPr>
+        <p:txBody>
+          <a:bodyPr wrap="square" rtlCol="0">
+            <a:spAutoFit/>
+          </a:bodyPr>
+          <a:lstStyle/>
+          <a:p>
+            <a:r>
+              <a:rPr lang="pt-PT" dirty="0" err="1"/>
+              <a:t>Longely</a:t>
+            </a:r>
+            <a:r>
+              <a:rPr lang="pt-PT" dirty="0"/>
+              <a:t> Rice</a:t>
+            </a:r>
+            <a:endParaRPr lang="en-US" dirty="0"/>
+          </a:p>
+        </p:txBody>
+      </p:sp>
+      <p:sp>
+        <p:nvSpPr>
+          <p:cNvPr id="13" name="CaixaDeTexto 12">
+            <a:extLst>
+              <a:ext uri="{FF2B5EF4-FFF2-40B4-BE49-F238E27FC236}">
+                <a16:creationId xmlns:a16="http://schemas.microsoft.com/office/drawing/2014/main" id="{6D1E7D04-1E61-D9B5-A341-3EF1968211D1}"/>
+              </a:ext>
+            </a:extLst>
+          </p:cNvPr>
+          <p:cNvSpPr txBox="1"/>
+          <p:nvPr/>
+        </p:nvSpPr>
+        <p:spPr>
+          <a:xfrm>
+            <a:off x="1370681" y="1919209"/>
+            <a:ext cx="2616502" cy="369332"/>
+          </a:xfrm>
+          <a:prstGeom prst="rect">
+            <a:avLst/>
+          </a:prstGeom>
+          <a:noFill/>
+        </p:spPr>
+        <p:txBody>
+          <a:bodyPr wrap="square" rtlCol="0">
+            <a:spAutoFit/>
+          </a:bodyPr>
+          <a:lstStyle/>
+          <a:p>
+            <a:r>
+              <a:rPr lang="pt-PT" dirty="0"/>
+              <a:t>Free </a:t>
+            </a:r>
+            <a:r>
+              <a:rPr lang="pt-PT" dirty="0" err="1"/>
+              <a:t>Space</a:t>
+            </a:r>
+            <a:endParaRPr lang="en-US" dirty="0"/>
+          </a:p>
+        </p:txBody>
+      </p:sp>
+    </p:spTree>
+    <p:extLst>
+      <p:ext uri="{BB962C8B-B14F-4D97-AF65-F5344CB8AC3E}">
+        <p14:creationId xmlns:p14="http://schemas.microsoft.com/office/powerpoint/2010/main" val="1616159130"/>
+      </p:ext>
+    </p:extLst>
+  </p:cSld>
+  <p:clrMapOvr>
+    <a:masterClrMapping/>
+  </p:clrMapOvr>
+</p:sld>
+</file>
+
+<file path=ppt/slides/slide11.xml><?xml version="1.0" encoding="utf-8"?>
+<p:sld xmlns:a="http://schemas.openxmlformats.org/drawingml/2006/main" xmlns:r="http://schemas.openxmlformats.org/officeDocument/2006/relationships" xmlns:p="http://schemas.openxmlformats.org/presentationml/2006/main">
+  <p:cSld>
+    <p:spTree>
+      <p:nvGrpSpPr>
+        <p:cNvPr id="1" name=""/>
+        <p:cNvGrpSpPr/>
+        <p:nvPr/>
+      </p:nvGrpSpPr>
+      <p:grpSpPr>
+        <a:xfrm>
+          <a:off x="0" y="0"/>
+          <a:ext cx="0" cy="0"/>
+          <a:chOff x="0" y="0"/>
+          <a:chExt cx="0" cy="0"/>
+        </a:xfrm>
+      </p:grpSpPr>
+      <p:sp>
+        <p:nvSpPr>
+          <p:cNvPr id="22" name="Título 21">
+            <a:extLst>
+              <a:ext uri="{FF2B5EF4-FFF2-40B4-BE49-F238E27FC236}">
+                <a16:creationId xmlns:a16="http://schemas.microsoft.com/office/drawing/2014/main" id="{F8FAEED9-1ECD-45F9-87A0-9394BAEABB79}"/>
+              </a:ext>
+            </a:extLst>
+          </p:cNvPr>
+          <p:cNvSpPr>
+            <a:spLocks noGrp="1"/>
+          </p:cNvSpPr>
+          <p:nvPr>
+            <p:ph type="ctrTitle"/>
+          </p:nvPr>
+        </p:nvSpPr>
+        <p:spPr>
+          <a:xfrm>
+            <a:off x="550863" y="549275"/>
+            <a:ext cx="5437187" cy="2986234"/>
+          </a:xfrm>
+        </p:spPr>
+        <p:txBody>
+          <a:bodyPr rtlCol="0"/>
+          <a:lstStyle/>
+          <a:p>
+            <a:pPr rtl="0"/>
+            <a:r>
+              <a:rPr lang="pt-PT" dirty="0"/>
+              <a:t>Obrigado</a:t>
+            </a:r>
+          </a:p>
+        </p:txBody>
+      </p:sp>
+      <p:pic>
+        <p:nvPicPr>
+          <p:cNvPr id="33" name="Marcador de Posição da Imagem 32" descr="Fundo Digital com Pontos de Dados">
+            <a:extLst>
+              <a:ext uri="{FF2B5EF4-FFF2-40B4-BE49-F238E27FC236}">
+                <a16:creationId xmlns:a16="http://schemas.microsoft.com/office/drawing/2014/main" id="{48106962-23C6-4DFE-BB3A-E5FFF03F38CE}"/>
+              </a:ext>
+            </a:extLst>
+          </p:cNvPr>
+          <p:cNvPicPr>
+            <a:picLocks noGrp="1" noChangeAspect="1"/>
+          </p:cNvPicPr>
+          <p:nvPr>
+            <p:ph type="pic" sz="quarter" idx="16"/>
+          </p:nvPr>
+        </p:nvPicPr>
+        <p:blipFill rotWithShape="1">
+          <a:blip r:embed="rId2" cstate="screen">
+            <a:extLst>
+              <a:ext uri="{28A0092B-C50C-407E-A947-70E740481C1C}">
+                <a14:useLocalDpi xmlns:a14="http://schemas.microsoft.com/office/drawing/2010/main" val="0"/>
+              </a:ext>
+            </a:extLst>
+          </a:blip>
+          <a:srcRect/>
+          <a:stretch/>
+        </p:blipFill>
+        <p:spPr>
+          <a:xfrm>
+            <a:off x="5988050" y="688229"/>
+            <a:ext cx="5709291" cy="3234581"/>
+          </a:xfrm>
+        </p:spPr>
+      </p:pic>
+      <p:sp>
+        <p:nvSpPr>
+          <p:cNvPr id="6" name="Marcador de Posição do Número do Diapositivo 5">
+            <a:extLst>
+              <a:ext uri="{FF2B5EF4-FFF2-40B4-BE49-F238E27FC236}">
+                <a16:creationId xmlns:a16="http://schemas.microsoft.com/office/drawing/2014/main" id="{36E60F23-FB58-4EF8-82FD-E86CED25FDD4}"/>
+              </a:ext>
+            </a:extLst>
+          </p:cNvPr>
+          <p:cNvSpPr>
+            <a:spLocks noGrp="1"/>
+          </p:cNvSpPr>
+          <p:nvPr>
+            <p:ph type="sldNum" sz="quarter" idx="12"/>
+          </p:nvPr>
+        </p:nvSpPr>
+        <p:spPr>
+          <a:xfrm>
+            <a:off x="9948863" y="6507212"/>
+            <a:ext cx="1692274" cy="153888"/>
+          </a:xfrm>
+        </p:spPr>
+        <p:txBody>
+          <a:bodyPr rtlCol="0"/>
+          <a:lstStyle/>
+          <a:p>
+            <a:pPr rtl="0"/>
+            <a:fld id="{DBA1B0FB-D917-4C8C-928F-313BD683BF39}" type="slidenum">
+              <a:rPr lang="pt-PT" smtClean="0"/>
+              <a:pPr rtl="0"/>
+              <a:t>11</a:t>
+            </a:fld>
+            <a:endParaRPr lang="pt-PT"/>
+          </a:p>
+        </p:txBody>
+      </p:sp>
+      <p:sp>
+        <p:nvSpPr>
+          <p:cNvPr id="11" name="Subtítulo 2">
+            <a:extLst>
+              <a:ext uri="{FF2B5EF4-FFF2-40B4-BE49-F238E27FC236}">
+                <a16:creationId xmlns:a16="http://schemas.microsoft.com/office/drawing/2014/main" id="{6FFFD2FC-E734-4575-896F-A76D9D773944}"/>
+              </a:ext>
+            </a:extLst>
+          </p:cNvPr>
+          <p:cNvSpPr txBox="1">
+            <a:spLocks/>
+          </p:cNvSpPr>
+          <p:nvPr/>
+        </p:nvSpPr>
+        <p:spPr>
+          <a:xfrm>
+            <a:off x="643142" y="3574259"/>
+            <a:ext cx="4683867" cy="2064541"/>
+          </a:xfrm>
+          <a:prstGeom prst="rect">
+            <a:avLst/>
+          </a:prstGeom>
+        </p:spPr>
+        <p:txBody>
+          <a:bodyPr vert="horz" wrap="square" lIns="0" tIns="0" rIns="0" bIns="0" rtlCol="0">
+            <a:normAutofit fontScale="85000" lnSpcReduction="20000"/>
+          </a:bodyPr>
+          <a:lstStyle>
+            <a:lvl1pPr marL="228600" indent="-228600" algn="l" defTabSz="914400" rtl="0" eaLnBrk="1" latinLnBrk="0" hangingPunct="1">
+              <a:lnSpc>
+                <a:spcPct val="110000"/>
+              </a:lnSpc>
+              <a:spcBef>
+                <a:spcPts val="1000"/>
+              </a:spcBef>
+              <a:spcAft>
+                <a:spcPts val="800"/>
+              </a:spcAft>
+              <a:buFont typeface="Arial" panose="020B0604020202020204" pitchFamily="34" charset="0"/>
+              <a:buNone/>
+              <a:defRPr sz="2000" kern="1200">
+                <a:solidFill>
+                  <a:schemeClr val="tx1">
+                    <a:alpha val="60000"/>
+                  </a:schemeClr>
+                </a:solidFill>
+                <a:latin typeface="+mn-lt"/>
+                <a:ea typeface="+mn-ea"/>
+                <a:cs typeface="+mn-cs"/>
+              </a:defRPr>
+            </a:lvl1pPr>
+            <a:lvl2pPr marL="685800" indent="-228600" algn="l" defTabSz="914400" rtl="0" eaLnBrk="1" latinLnBrk="0" hangingPunct="1">
+              <a:lnSpc>
+                <a:spcPct val="110000"/>
+              </a:lnSpc>
+              <a:spcBef>
+                <a:spcPts val="500"/>
+              </a:spcBef>
+              <a:spcAft>
+                <a:spcPts val="800"/>
+              </a:spcAft>
+              <a:buFont typeface="Arial" panose="020B0604020202020204" pitchFamily="34" charset="0"/>
+              <a:buNone/>
+              <a:defRPr sz="2000" kern="1200">
+                <a:solidFill>
+                  <a:schemeClr val="tx1">
+                    <a:alpha val="60000"/>
+                  </a:schemeClr>
+                </a:solidFill>
+                <a:latin typeface="+mn-lt"/>
+                <a:ea typeface="+mn-ea"/>
+                <a:cs typeface="+mn-cs"/>
+              </a:defRPr>
+            </a:lvl2pPr>
+            <a:lvl3pPr marL="1143000" indent="-228600" algn="l" defTabSz="914400" rtl="0" eaLnBrk="1" latinLnBrk="0" hangingPunct="1">
+              <a:lnSpc>
+                <a:spcPct val="110000"/>
+              </a:lnSpc>
+              <a:spcBef>
+                <a:spcPts val="500"/>
+              </a:spcBef>
+              <a:spcAft>
+                <a:spcPts val="800"/>
+              </a:spcAft>
+              <a:buFont typeface="Arial" panose="020B0604020202020204" pitchFamily="34" charset="0"/>
+              <a:buNone/>
+              <a:defRPr sz="2000" kern="1200">
+                <a:solidFill>
+                  <a:schemeClr val="tx1">
+                    <a:alpha val="60000"/>
+                  </a:schemeClr>
+                </a:solidFill>
+                <a:latin typeface="+mn-lt"/>
+                <a:ea typeface="+mn-ea"/>
+                <a:cs typeface="+mn-cs"/>
+              </a:defRPr>
+            </a:lvl3pPr>
+            <a:lvl4pPr marL="1600200" indent="-228600" algn="l" defTabSz="914400" rtl="0" eaLnBrk="1" latinLnBrk="0" hangingPunct="1">
+              <a:lnSpc>
+                <a:spcPct val="110000"/>
+              </a:lnSpc>
+              <a:spcBef>
+                <a:spcPts val="500"/>
+              </a:spcBef>
+              <a:spcAft>
+                <a:spcPts val="800"/>
+              </a:spcAft>
+              <a:buFont typeface="Arial" panose="020B0604020202020204" pitchFamily="34" charset="0"/>
+              <a:buNone/>
+              <a:defRPr sz="2000" kern="1200">
+                <a:solidFill>
+                  <a:schemeClr val="tx1">
+                    <a:alpha val="60000"/>
+                  </a:schemeClr>
+                </a:solidFill>
+                <a:latin typeface="+mn-lt"/>
+                <a:ea typeface="+mn-ea"/>
+                <a:cs typeface="+mn-cs"/>
+              </a:defRPr>
+            </a:lvl4pPr>
+            <a:lvl5pPr marL="2057400" indent="-228600" algn="l" defTabSz="914400" rtl="0" eaLnBrk="1" latinLnBrk="0" hangingPunct="1">
+              <a:lnSpc>
+                <a:spcPct val="110000"/>
+              </a:lnSpc>
+              <a:spcBef>
+                <a:spcPts val="500"/>
+              </a:spcBef>
+              <a:spcAft>
+                <a:spcPts val="800"/>
+              </a:spcAft>
+              <a:buFont typeface="Arial" panose="020B0604020202020204" pitchFamily="34" charset="0"/>
+              <a:buNone/>
+              <a:defRPr sz="2000" kern="1200">
+                <a:solidFill>
+                  <a:schemeClr val="tx1">
+                    <a:alpha val="60000"/>
+                  </a:schemeClr>
+                </a:solidFill>
+                <a:latin typeface="+mn-lt"/>
+                <a:ea typeface="+mn-ea"/>
+                <a:cs typeface="+mn-cs"/>
+              </a:defRPr>
+            </a:lvl5pPr>
+            <a:lvl6pPr marL="2514600" indent="-228600" algn="l" defTabSz="914400" rtl="0" eaLnBrk="1" latinLnBrk="0" hangingPunct="1">
+              <a:lnSpc>
+                <a:spcPct val="90000"/>
+              </a:lnSpc>
+              <a:spcBef>
+                <a:spcPts val="500"/>
+              </a:spcBef>
+              <a:buFont typeface="Arial" panose="020B0604020202020204" pitchFamily="34" charset="0"/>
+              <a:buChar char="•"/>
+              <a:defRPr sz="1800" kern="1200">
+                <a:solidFill>
+                  <a:schemeClr val="tx1"/>
+                </a:solidFill>
+                <a:latin typeface="+mn-lt"/>
+                <a:ea typeface="+mn-ea"/>
+                <a:cs typeface="+mn-cs"/>
+              </a:defRPr>
+            </a:lvl6pPr>
+            <a:lvl7pPr marL="2971800" indent="-228600" algn="l" defTabSz="914400" rtl="0" eaLnBrk="1" latinLnBrk="0" hangingPunct="1">
+              <a:lnSpc>
+                <a:spcPct val="90000"/>
+              </a:lnSpc>
+              <a:spcBef>
+                <a:spcPts val="500"/>
+              </a:spcBef>
+              <a:buFont typeface="Arial" panose="020B0604020202020204" pitchFamily="34" charset="0"/>
+              <a:buChar char="•"/>
+              <a:defRPr sz="1800" kern="1200">
+                <a:solidFill>
+                  <a:schemeClr val="tx1"/>
+                </a:solidFill>
+                <a:latin typeface="+mn-lt"/>
+                <a:ea typeface="+mn-ea"/>
+                <a:cs typeface="+mn-cs"/>
+              </a:defRPr>
+            </a:lvl7pPr>
+            <a:lvl8pPr marL="3429000" indent="-228600" algn="l" defTabSz="914400" rtl="0" eaLnBrk="1" latinLnBrk="0" hangingPunct="1">
+              <a:lnSpc>
+                <a:spcPct val="90000"/>
+              </a:lnSpc>
+              <a:spcBef>
+                <a:spcPts val="500"/>
+              </a:spcBef>
+              <a:buFont typeface="Arial" panose="020B0604020202020204" pitchFamily="34" charset="0"/>
+              <a:buChar char="•"/>
+              <a:defRPr sz="1800" kern="1200">
+                <a:solidFill>
+                  <a:schemeClr val="tx1"/>
+                </a:solidFill>
+                <a:latin typeface="+mn-lt"/>
+                <a:ea typeface="+mn-ea"/>
+                <a:cs typeface="+mn-cs"/>
+              </a:defRPr>
+            </a:lvl8pPr>
+            <a:lvl9pPr marL="3886200" indent="-228600" algn="l" defTabSz="914400" rtl="0" eaLnBrk="1" latinLnBrk="0" hangingPunct="1">
+              <a:lnSpc>
+                <a:spcPct val="90000"/>
+              </a:lnSpc>
+              <a:spcBef>
+                <a:spcPts val="500"/>
+              </a:spcBef>
+              <a:buFont typeface="Arial" panose="020B0604020202020204" pitchFamily="34" charset="0"/>
+              <a:buChar char="•"/>
+              <a:defRPr sz="1800" kern="1200">
+                <a:solidFill>
+                  <a:schemeClr val="tx1"/>
+                </a:solidFill>
+                <a:latin typeface="+mn-lt"/>
+                <a:ea typeface="+mn-ea"/>
+                <a:cs typeface="+mn-cs"/>
+              </a:defRPr>
+            </a:lvl9pPr>
+          </a:lstStyle>
+          <a:p>
+            <a:pPr>
+              <a:spcBef>
+                <a:spcPts val="0"/>
+              </a:spcBef>
+              <a:spcAft>
+                <a:spcPts val="0"/>
+              </a:spcAft>
+            </a:pPr>
+            <a:endParaRPr lang="en-US" b="1" dirty="0"/>
+          </a:p>
+          <a:p>
+            <a:pPr>
+              <a:spcBef>
+                <a:spcPts val="0"/>
+              </a:spcBef>
+              <a:spcAft>
+                <a:spcPts val="0"/>
+              </a:spcAft>
+            </a:pPr>
+            <a:r>
+              <a:rPr lang="en-US" sz="2000" b="1" dirty="0" err="1"/>
+              <a:t>Professores</a:t>
+            </a:r>
+            <a:r>
+              <a:rPr lang="en-US" sz="2000" b="1" dirty="0"/>
+              <a:t>: </a:t>
+            </a:r>
+          </a:p>
+          <a:p>
+            <a:pPr>
+              <a:spcBef>
+                <a:spcPts val="0"/>
+              </a:spcBef>
+              <a:spcAft>
+                <a:spcPts val="0"/>
+              </a:spcAft>
+            </a:pPr>
+            <a:r>
+              <a:rPr lang="en-US" sz="2000" dirty="0"/>
+              <a:t>João Reis</a:t>
+            </a:r>
+          </a:p>
+          <a:p>
+            <a:pPr>
+              <a:spcBef>
+                <a:spcPts val="0"/>
+              </a:spcBef>
+              <a:spcAft>
+                <a:spcPts val="0"/>
+              </a:spcAft>
+            </a:pPr>
+            <a:r>
+              <a:rPr lang="en-US" sz="2000" dirty="0"/>
+              <a:t>Rafael </a:t>
+            </a:r>
+            <a:r>
+              <a:rPr lang="en-US" sz="2000" dirty="0" err="1"/>
+              <a:t>Caldeirinha</a:t>
+            </a:r>
+            <a:endParaRPr lang="en-US" sz="2000" dirty="0"/>
+          </a:p>
+          <a:p>
+            <a:pPr>
+              <a:spcBef>
+                <a:spcPts val="0"/>
+              </a:spcBef>
+              <a:spcAft>
+                <a:spcPts val="0"/>
+              </a:spcAft>
+            </a:pPr>
+            <a:endParaRPr lang="en-US" sz="2000" dirty="0"/>
+          </a:p>
+          <a:p>
+            <a:pPr>
+              <a:spcBef>
+                <a:spcPts val="0"/>
+              </a:spcBef>
+              <a:spcAft>
+                <a:spcPts val="0"/>
+              </a:spcAft>
+            </a:pPr>
+            <a:endParaRPr lang="pt-PT" dirty="0"/>
+          </a:p>
+          <a:p>
+            <a:pPr>
+              <a:spcBef>
+                <a:spcPts val="0"/>
+              </a:spcBef>
+              <a:spcAft>
+                <a:spcPts val="0"/>
+              </a:spcAft>
+            </a:pPr>
+            <a:r>
+              <a:rPr lang="en-US" b="1" dirty="0" err="1"/>
+              <a:t>Autores</a:t>
+            </a:r>
+            <a:r>
+              <a:rPr lang="en-US" b="1" dirty="0"/>
+              <a:t>:  </a:t>
+            </a:r>
+          </a:p>
+          <a:p>
+            <a:pPr>
+              <a:spcBef>
+                <a:spcPts val="0"/>
+              </a:spcBef>
+              <a:spcAft>
+                <a:spcPts val="0"/>
+              </a:spcAft>
+            </a:pPr>
+            <a:r>
+              <a:rPr lang="en-US" dirty="0"/>
+              <a:t>Rafael Ferreira 2172044</a:t>
+            </a:r>
+          </a:p>
+        </p:txBody>
+      </p:sp>
+      <p:sp>
+        <p:nvSpPr>
+          <p:cNvPr id="12" name="Marcador de Posição da Data 12">
+            <a:extLst>
+              <a:ext uri="{FF2B5EF4-FFF2-40B4-BE49-F238E27FC236}">
+                <a16:creationId xmlns:a16="http://schemas.microsoft.com/office/drawing/2014/main" id="{6879E224-1F10-43CF-9413-83FD3AEBB001}"/>
+              </a:ext>
+            </a:extLst>
+          </p:cNvPr>
+          <p:cNvSpPr>
+            <a:spLocks noGrp="1"/>
+          </p:cNvSpPr>
+          <p:nvPr>
+            <p:ph type="dt" sz="half" idx="10"/>
+          </p:nvPr>
+        </p:nvSpPr>
+        <p:spPr>
+          <a:xfrm>
+            <a:off x="550862" y="6507212"/>
+            <a:ext cx="4776147" cy="153888"/>
+          </a:xfrm>
+        </p:spPr>
+        <p:txBody>
+          <a:bodyPr rtlCol="0"/>
+          <a:lstStyle/>
+          <a:p>
+            <a:pPr rtl="0"/>
+            <a:r>
+              <a:rPr lang="pt-PT" sz="1000" dirty="0">
+                <a:latin typeface="+mn-lt"/>
+              </a:rPr>
+              <a:t>PLANEAMENTO E OTIMIZACÂO DE UMA  REDE MOVEL GSM - CENÁRIO URBANO</a:t>
+            </a:r>
+            <a:endParaRPr lang="pt-PT" dirty="0"/>
+          </a:p>
+        </p:txBody>
+      </p:sp>
+      <p:sp>
+        <p:nvSpPr>
+          <p:cNvPr id="13" name="Marcador de Posição do Rodapé 13">
+            <a:extLst>
+              <a:ext uri="{FF2B5EF4-FFF2-40B4-BE49-F238E27FC236}">
+                <a16:creationId xmlns:a16="http://schemas.microsoft.com/office/drawing/2014/main" id="{E642BF67-77B2-417A-A92F-8164DF932B44}"/>
+              </a:ext>
+            </a:extLst>
+          </p:cNvPr>
+          <p:cNvSpPr>
+            <a:spLocks noGrp="1"/>
+          </p:cNvSpPr>
+          <p:nvPr>
+            <p:ph type="ftr" sz="quarter" idx="11"/>
+          </p:nvPr>
+        </p:nvSpPr>
+        <p:spPr>
+          <a:xfrm>
+            <a:off x="9227890" y="6507212"/>
+            <a:ext cx="1912690" cy="153888"/>
+          </a:xfrm>
+        </p:spPr>
+        <p:txBody>
+          <a:bodyPr rtlCol="0"/>
+          <a:lstStyle/>
+          <a:p>
+            <a:pPr rtl="0"/>
+            <a:r>
+              <a:rPr lang="en-US" sz="1000" dirty="0"/>
+              <a:t>COMUNICAÇÕES MÓVEIS</a:t>
+            </a:r>
+          </a:p>
+        </p:txBody>
+      </p:sp>
+      <p:pic>
+        <p:nvPicPr>
+          <p:cNvPr id="15" name="Imagem 14">
+            <a:extLst>
+              <a:ext uri="{FF2B5EF4-FFF2-40B4-BE49-F238E27FC236}">
+                <a16:creationId xmlns:a16="http://schemas.microsoft.com/office/drawing/2014/main" id="{40F8B09C-0B78-0E5D-DCA6-38780919496D}"/>
+              </a:ext>
+            </a:extLst>
+          </p:cNvPr>
+          <p:cNvPicPr>
+            <a:picLocks noChangeAspect="1"/>
+          </p:cNvPicPr>
+          <p:nvPr/>
+        </p:nvPicPr>
+        <p:blipFill>
+          <a:blip r:embed="rId3"/>
+          <a:stretch>
+            <a:fillRect/>
+          </a:stretch>
+        </p:blipFill>
+        <p:spPr>
+          <a:xfrm>
+            <a:off x="7751763" y="4167261"/>
+            <a:ext cx="2197100" cy="2197100"/>
+          </a:xfrm>
+          <a:prstGeom prst="rect">
+            <a:avLst/>
+          </a:prstGeom>
+        </p:spPr>
+      </p:pic>
+    </p:spTree>
+    <p:extLst>
+      <p:ext uri="{BB962C8B-B14F-4D97-AF65-F5344CB8AC3E}">
+        <p14:creationId xmlns:p14="http://schemas.microsoft.com/office/powerpoint/2010/main" val="3247798845"/>
+      </p:ext>
+    </p:extLst>
+  </p:cSld>
+  <p:clrMapOvr>
+    <a:masterClrMapping/>
+  </p:clrMapOvr>
+</p:sld>
+</file>
+
+<file path=ppt/slides/slide2.xml><?xml version="1.0" encoding="utf-8"?>
+<p:sld xmlns:a="http://schemas.openxmlformats.org/drawingml/2006/main" xmlns:r="http://schemas.openxmlformats.org/officeDocument/2006/relationships" xmlns:p="http://schemas.openxmlformats.org/presentationml/2006/main">
+  <p:cSld>
+    <p:spTree>
+      <p:nvGrpSpPr>
+        <p:cNvPr id="1" name=""/>
+        <p:cNvGrpSpPr/>
+        <p:nvPr/>
+      </p:nvGrpSpPr>
+      <p:grpSpPr>
+        <a:xfrm>
+          <a:off x="0" y="0"/>
+          <a:ext cx="0" cy="0"/>
+          <a:chOff x="0" y="0"/>
+          <a:chExt cx="0" cy="0"/>
+        </a:xfrm>
+      </p:grpSpPr>
+      <p:sp>
+        <p:nvSpPr>
+          <p:cNvPr id="2" name="Título 1">
+            <a:extLst>
+              <a:ext uri="{FF2B5EF4-FFF2-40B4-BE49-F238E27FC236}">
+                <a16:creationId xmlns:a16="http://schemas.microsoft.com/office/drawing/2014/main" id="{61D7F069-8C65-08AC-AA6A-A9A9001B94B3}"/>
+              </a:ext>
+            </a:extLst>
+          </p:cNvPr>
+          <p:cNvSpPr>
+            <a:spLocks noGrp="1"/>
+          </p:cNvSpPr>
+          <p:nvPr>
+            <p:ph type="title"/>
+          </p:nvPr>
+        </p:nvSpPr>
+        <p:spPr/>
+        <p:txBody>
+          <a:bodyPr/>
+          <a:lstStyle/>
+          <a:p>
+            <a:r>
+              <a:rPr lang="pt-PT" dirty="0"/>
+              <a:t>Introdução</a:t>
+            </a:r>
+            <a:endParaRPr lang="en-US" dirty="0"/>
+          </a:p>
+        </p:txBody>
+      </p:sp>
+      <p:sp>
+        <p:nvSpPr>
+          <p:cNvPr id="3" name="Marcador de Posição de Conteúdo 2">
+            <a:extLst>
+              <a:ext uri="{FF2B5EF4-FFF2-40B4-BE49-F238E27FC236}">
+                <a16:creationId xmlns:a16="http://schemas.microsoft.com/office/drawing/2014/main" id="{F444D703-A753-98C1-E82F-C5ED3DF8AC6F}"/>
+              </a:ext>
+            </a:extLst>
+          </p:cNvPr>
+          <p:cNvSpPr>
+            <a:spLocks noGrp="1"/>
+          </p:cNvSpPr>
+          <p:nvPr>
+            <p:ph idx="1"/>
+          </p:nvPr>
+        </p:nvSpPr>
+        <p:spPr/>
+        <p:txBody>
+          <a:bodyPr/>
+          <a:lstStyle/>
+          <a:p>
+            <a:endParaRPr lang="en-US" dirty="0"/>
+          </a:p>
+        </p:txBody>
+      </p:sp>
+      <p:sp>
+        <p:nvSpPr>
+          <p:cNvPr id="4" name="Marcador de Posição da Imagem 3">
+            <a:extLst>
+              <a:ext uri="{FF2B5EF4-FFF2-40B4-BE49-F238E27FC236}">
+                <a16:creationId xmlns:a16="http://schemas.microsoft.com/office/drawing/2014/main" id="{9D50280E-7065-A61C-43C6-331AE7F4879E}"/>
+              </a:ext>
+            </a:extLst>
+          </p:cNvPr>
+          <p:cNvSpPr>
+            <a:spLocks noGrp="1"/>
+          </p:cNvSpPr>
+          <p:nvPr>
+            <p:ph type="pic" sz="quarter" idx="13"/>
+          </p:nvPr>
+        </p:nvSpPr>
+        <p:spPr/>
+      </p:sp>
+      <p:sp>
+        <p:nvSpPr>
+          <p:cNvPr id="5" name="Marcador de Posição da Imagem 4">
+            <a:extLst>
+              <a:ext uri="{FF2B5EF4-FFF2-40B4-BE49-F238E27FC236}">
+                <a16:creationId xmlns:a16="http://schemas.microsoft.com/office/drawing/2014/main" id="{CBD3009A-6801-6D70-D3EA-C7B8180B1C0D}"/>
+              </a:ext>
+            </a:extLst>
+          </p:cNvPr>
+          <p:cNvSpPr>
+            <a:spLocks noGrp="1"/>
+          </p:cNvSpPr>
+          <p:nvPr>
+            <p:ph type="pic" sz="quarter" idx="14"/>
+          </p:nvPr>
+        </p:nvSpPr>
+        <p:spPr/>
+      </p:sp>
+      <p:sp>
+        <p:nvSpPr>
+          <p:cNvPr id="6" name="Marcador de Posição da Imagem 5">
+            <a:extLst>
+              <a:ext uri="{FF2B5EF4-FFF2-40B4-BE49-F238E27FC236}">
+                <a16:creationId xmlns:a16="http://schemas.microsoft.com/office/drawing/2014/main" id="{C320F854-BAD0-9CDB-0ABF-D3B9BEB35DAC}"/>
+              </a:ext>
+            </a:extLst>
+          </p:cNvPr>
+          <p:cNvSpPr>
+            <a:spLocks noGrp="1"/>
+          </p:cNvSpPr>
+          <p:nvPr>
+            <p:ph type="pic" sz="quarter" idx="15"/>
+          </p:nvPr>
+        </p:nvSpPr>
+        <p:spPr/>
+      </p:sp>
+      <p:sp>
+        <p:nvSpPr>
+          <p:cNvPr id="9" name="Marcador de Posição do Número do Diapositivo 8">
+            <a:extLst>
+              <a:ext uri="{FF2B5EF4-FFF2-40B4-BE49-F238E27FC236}">
+                <a16:creationId xmlns:a16="http://schemas.microsoft.com/office/drawing/2014/main" id="{1FCD4713-BC74-789A-B9AB-849D637AF082}"/>
+              </a:ext>
+            </a:extLst>
+          </p:cNvPr>
+          <p:cNvSpPr>
+            <a:spLocks noGrp="1"/>
+          </p:cNvSpPr>
+          <p:nvPr>
+            <p:ph type="sldNum" sz="quarter" idx="12"/>
+          </p:nvPr>
+        </p:nvSpPr>
+        <p:spPr/>
+        <p:txBody>
+          <a:bodyPr/>
+          <a:lstStyle/>
+          <a:p>
+            <a:pPr rtl="0"/>
+            <a:fld id="{DBA1B0FB-D917-4C8C-928F-313BD683BF39}" type="slidenum">
+              <a:rPr lang="pt-PT" smtClean="0"/>
+              <a:t>2</a:t>
+            </a:fld>
+            <a:endParaRPr lang="pt-PT"/>
+          </a:p>
+        </p:txBody>
+      </p:sp>
+      <p:sp>
+        <p:nvSpPr>
+          <p:cNvPr id="10" name="Marcador de Posição da Data 12">
+            <a:extLst>
+              <a:ext uri="{FF2B5EF4-FFF2-40B4-BE49-F238E27FC236}">
+                <a16:creationId xmlns:a16="http://schemas.microsoft.com/office/drawing/2014/main" id="{B587C607-C2E8-E0E2-48F9-9EA8C2A8DE47}"/>
+              </a:ext>
+            </a:extLst>
+          </p:cNvPr>
+          <p:cNvSpPr txBox="1">
+            <a:spLocks/>
+          </p:cNvSpPr>
+          <p:nvPr/>
+        </p:nvSpPr>
+        <p:spPr>
+          <a:xfrm>
+            <a:off x="550863" y="6435697"/>
+            <a:ext cx="4776147" cy="153888"/>
+          </a:xfrm>
+          <a:prstGeom prst="rect">
+            <a:avLst/>
+          </a:prstGeom>
+        </p:spPr>
+        <p:txBody>
+          <a:bodyPr vert="horz" wrap="square" lIns="0" tIns="0" rIns="0" bIns="0" rtlCol="0" anchor="ctr">
+            <a:noAutofit/>
+          </a:bodyPr>
+          <a:lstStyle>
+            <a:defPPr rtl="0">
+              <a:defRPr lang="pt-PT"/>
+            </a:defPPr>
+            <a:lvl1pPr marL="0" algn="l" defTabSz="914400" rtl="0" eaLnBrk="1" latinLnBrk="0" hangingPunct="1">
+              <a:defRPr sz="1000" kern="1200">
+                <a:solidFill>
+                  <a:schemeClr val="tx1">
+                    <a:lumMod val="65000"/>
+                    <a:alpha val="80000"/>
+                  </a:schemeClr>
+                </a:solidFill>
+                <a:latin typeface="+mn-lt"/>
+                <a:ea typeface="+mn-ea"/>
+                <a:cs typeface="+mn-cs"/>
+              </a:defRPr>
+            </a:lvl1pPr>
+            <a:lvl2pPr marL="457200" algn="l" defTabSz="914400" rtl="0" eaLnBrk="1" latinLnBrk="0" hangingPunct="1">
+              <a:defRPr sz="1800" kern="1200">
+                <a:solidFill>
+                  <a:schemeClr val="tx1"/>
+                </a:solidFill>
+                <a:latin typeface="+mn-lt"/>
+                <a:ea typeface="+mn-ea"/>
+                <a:cs typeface="+mn-cs"/>
+              </a:defRPr>
+            </a:lvl2pPr>
+            <a:lvl3pPr marL="914400" algn="l" defTabSz="914400" rtl="0" eaLnBrk="1" latinLnBrk="0" hangingPunct="1">
+              <a:defRPr sz="1800" kern="1200">
+                <a:solidFill>
+                  <a:schemeClr val="tx1"/>
+                </a:solidFill>
+                <a:latin typeface="+mn-lt"/>
+                <a:ea typeface="+mn-ea"/>
+                <a:cs typeface="+mn-cs"/>
+              </a:defRPr>
+            </a:lvl3pPr>
+            <a:lvl4pPr marL="1371600" algn="l" defTabSz="914400" rtl="0" eaLnBrk="1" latinLnBrk="0" hangingPunct="1">
+              <a:defRPr sz="1800" kern="1200">
+                <a:solidFill>
+                  <a:schemeClr val="tx1"/>
+                </a:solidFill>
+                <a:latin typeface="+mn-lt"/>
+                <a:ea typeface="+mn-ea"/>
+                <a:cs typeface="+mn-cs"/>
+              </a:defRPr>
+            </a:lvl4pPr>
+            <a:lvl5pPr marL="1828800" algn="l" defTabSz="914400" rtl="0" eaLnBrk="1" latinLnBrk="0" hangingPunct="1">
+              <a:defRPr sz="1800" kern="1200">
+                <a:solidFill>
+                  <a:schemeClr val="tx1"/>
+                </a:solidFill>
+                <a:latin typeface="+mn-lt"/>
+                <a:ea typeface="+mn-ea"/>
+                <a:cs typeface="+mn-cs"/>
+              </a:defRPr>
+            </a:lvl5pPr>
+            <a:lvl6pPr marL="2286000" algn="l" defTabSz="914400" rtl="0" eaLnBrk="1" latinLnBrk="0" hangingPunct="1">
+              <a:defRPr sz="1800" kern="1200">
+                <a:solidFill>
+                  <a:schemeClr val="tx1"/>
+                </a:solidFill>
+                <a:latin typeface="+mn-lt"/>
+                <a:ea typeface="+mn-ea"/>
+                <a:cs typeface="+mn-cs"/>
+              </a:defRPr>
+            </a:lvl6pPr>
+            <a:lvl7pPr marL="2743200" algn="l" defTabSz="914400" rtl="0" eaLnBrk="1" latinLnBrk="0" hangingPunct="1">
+              <a:defRPr sz="1800" kern="1200">
+                <a:solidFill>
+                  <a:schemeClr val="tx1"/>
+                </a:solidFill>
+                <a:latin typeface="+mn-lt"/>
+                <a:ea typeface="+mn-ea"/>
+                <a:cs typeface="+mn-cs"/>
+              </a:defRPr>
+            </a:lvl7pPr>
+            <a:lvl8pPr marL="3200400" algn="l" defTabSz="914400" rtl="0" eaLnBrk="1" latinLnBrk="0" hangingPunct="1">
+              <a:defRPr sz="1800" kern="1200">
+                <a:solidFill>
+                  <a:schemeClr val="tx1"/>
+                </a:solidFill>
+                <a:latin typeface="+mn-lt"/>
+                <a:ea typeface="+mn-ea"/>
+                <a:cs typeface="+mn-cs"/>
+              </a:defRPr>
+            </a:lvl8pPr>
+            <a:lvl9pPr marL="3657600" algn="l" defTabSz="914400" rtl="0" eaLnBrk="1" latinLnBrk="0" hangingPunct="1">
+              <a:defRPr sz="1800" kern="1200">
+                <a:solidFill>
+                  <a:schemeClr val="tx1"/>
+                </a:solidFill>
+                <a:latin typeface="+mn-lt"/>
+                <a:ea typeface="+mn-ea"/>
+                <a:cs typeface="+mn-cs"/>
+              </a:defRPr>
+            </a:lvl9pPr>
+          </a:lstStyle>
+          <a:p>
+            <a:r>
+              <a:rPr lang="pt-PT"/>
+              <a:t>PLANEAMENTO E OTIMIZACÂO DE UMA  REDE MOVEL GSM - CENÁRIO URBANO</a:t>
+            </a:r>
+            <a:endParaRPr lang="pt-PT" dirty="0"/>
+          </a:p>
+        </p:txBody>
+      </p:sp>
+    </p:spTree>
+    <p:extLst>
+      <p:ext uri="{BB962C8B-B14F-4D97-AF65-F5344CB8AC3E}">
+        <p14:creationId xmlns:p14="http://schemas.microsoft.com/office/powerpoint/2010/main" val="2665461059"/>
+      </p:ext>
+    </p:extLst>
+  </p:cSld>
+  <p:clrMapOvr>
+    <a:masterClrMapping/>
+  </p:clrMapOvr>
+</p:sld>
+</file>
+
+<file path=ppt/slides/slide3.xml><?xml version="1.0" encoding="utf-8"?>
+<p:sld xmlns:a="http://schemas.openxmlformats.org/drawingml/2006/main" xmlns:r="http://schemas.openxmlformats.org/officeDocument/2006/relationships" xmlns:p="http://schemas.openxmlformats.org/presentationml/2006/main">
+  <p:cSld>
+    <p:spTree>
+      <p:nvGrpSpPr>
+        <p:cNvPr id="1" name=""/>
+        <p:cNvGrpSpPr/>
+        <p:nvPr/>
+      </p:nvGrpSpPr>
+      <p:grpSpPr>
+        <a:xfrm>
+          <a:off x="0" y="0"/>
+          <a:ext cx="0" cy="0"/>
+          <a:chOff x="0" y="0"/>
+          <a:chExt cx="0" cy="0"/>
+        </a:xfrm>
+      </p:grpSpPr>
+      <p:sp>
+        <p:nvSpPr>
+          <p:cNvPr id="2" name="Título 1">
+            <a:extLst>
+              <a:ext uri="{FF2B5EF4-FFF2-40B4-BE49-F238E27FC236}">
+                <a16:creationId xmlns:a16="http://schemas.microsoft.com/office/drawing/2014/main" id="{B80AA991-32A8-51AF-A94F-12D7A7ECFF7C}"/>
+              </a:ext>
+            </a:extLst>
+          </p:cNvPr>
+          <p:cNvSpPr>
+            <a:spLocks noGrp="1"/>
+          </p:cNvSpPr>
+          <p:nvPr>
+            <p:ph type="title"/>
+          </p:nvPr>
+        </p:nvSpPr>
+        <p:spPr/>
+        <p:txBody>
+          <a:bodyPr/>
+          <a:lstStyle/>
+          <a:p>
+            <a:r>
+              <a:rPr lang="pt-PT" dirty="0"/>
+              <a:t>GSM900</a:t>
+            </a:r>
+            <a:br>
+              <a:rPr lang="pt-PT" dirty="0"/>
+            </a:br>
+            <a:endParaRPr lang="en-US" dirty="0"/>
+          </a:p>
+        </p:txBody>
+      </p:sp>
+      <p:sp>
+        <p:nvSpPr>
+          <p:cNvPr id="3" name="Marcador de Posição de Conteúdo 2">
+            <a:extLst>
+              <a:ext uri="{FF2B5EF4-FFF2-40B4-BE49-F238E27FC236}">
+                <a16:creationId xmlns:a16="http://schemas.microsoft.com/office/drawing/2014/main" id="{1624C90C-8E7D-4195-302F-4D2CF0DB2E5B}"/>
+              </a:ext>
+            </a:extLst>
+          </p:cNvPr>
+          <p:cNvSpPr>
+            <a:spLocks noGrp="1"/>
+          </p:cNvSpPr>
+          <p:nvPr>
+            <p:ph idx="1"/>
+          </p:nvPr>
+        </p:nvSpPr>
+        <p:spPr/>
+        <p:txBody>
+          <a:bodyPr/>
+          <a:lstStyle/>
+          <a:p>
+            <a:pPr marL="342900" indent="-342900">
+              <a:buFont typeface="Arial" panose="020B0604020202020204" pitchFamily="34" charset="0"/>
+              <a:buChar char="•"/>
+            </a:pPr>
+            <a:r>
+              <a:rPr lang="pt-PT" dirty="0"/>
+              <a:t>125 canais</a:t>
+            </a:r>
+          </a:p>
+          <a:p>
+            <a:pPr marL="342900" indent="-342900">
+              <a:buFont typeface="Arial" panose="020B0604020202020204" pitchFamily="34" charset="0"/>
+              <a:buChar char="•"/>
+            </a:pPr>
+            <a:r>
+              <a:rPr lang="pt-PT" dirty="0"/>
+              <a:t>TDMA</a:t>
+            </a:r>
+          </a:p>
+          <a:p>
+            <a:pPr marL="342900" indent="-342900">
+              <a:buFont typeface="Arial" panose="020B0604020202020204" pitchFamily="34" charset="0"/>
+              <a:buChar char="•"/>
+            </a:pPr>
+            <a:r>
+              <a:rPr lang="pt-PT" dirty="0"/>
+              <a:t>FDMA</a:t>
+            </a:r>
+          </a:p>
+          <a:p>
+            <a:pPr marL="342900" indent="-342900">
+              <a:buFont typeface="Arial" panose="020B0604020202020204" pitchFamily="34" charset="0"/>
+              <a:buChar char="•"/>
+            </a:pPr>
+            <a:r>
+              <a:rPr lang="pt-PT" dirty="0"/>
+              <a:t>Potências</a:t>
+            </a:r>
+          </a:p>
+          <a:p>
+            <a:pPr marL="342900" indent="-342900">
+              <a:buFont typeface="Arial" panose="020B0604020202020204" pitchFamily="34" charset="0"/>
+              <a:buChar char="•"/>
+            </a:pPr>
+            <a:r>
+              <a:rPr lang="pt-PT" dirty="0"/>
+              <a:t>Sensibilidade no simulador: -85dbm</a:t>
+            </a:r>
+          </a:p>
+          <a:p>
+            <a:endParaRPr lang="en-US" dirty="0"/>
+          </a:p>
+        </p:txBody>
+      </p:sp>
+      <p:sp>
+        <p:nvSpPr>
+          <p:cNvPr id="4" name="Marcador de Posição da Imagem 3">
+            <a:extLst>
+              <a:ext uri="{FF2B5EF4-FFF2-40B4-BE49-F238E27FC236}">
+                <a16:creationId xmlns:a16="http://schemas.microsoft.com/office/drawing/2014/main" id="{5DE1F582-CF3A-24E3-BBB7-0368E0520373}"/>
+              </a:ext>
+            </a:extLst>
+          </p:cNvPr>
+          <p:cNvSpPr>
+            <a:spLocks noGrp="1"/>
+          </p:cNvSpPr>
+          <p:nvPr>
+            <p:ph type="pic" sz="quarter" idx="13"/>
+          </p:nvPr>
+        </p:nvSpPr>
+        <p:spPr/>
+      </p:sp>
+      <p:sp>
+        <p:nvSpPr>
+          <p:cNvPr id="5" name="Marcador de Posição da Imagem 4">
+            <a:extLst>
+              <a:ext uri="{FF2B5EF4-FFF2-40B4-BE49-F238E27FC236}">
+                <a16:creationId xmlns:a16="http://schemas.microsoft.com/office/drawing/2014/main" id="{83E4A5C9-D8F2-88DE-ADF0-72CC325BF9C0}"/>
+              </a:ext>
+            </a:extLst>
+          </p:cNvPr>
+          <p:cNvSpPr>
+            <a:spLocks noGrp="1"/>
+          </p:cNvSpPr>
+          <p:nvPr>
+            <p:ph type="pic" sz="quarter" idx="14"/>
+          </p:nvPr>
+        </p:nvSpPr>
+        <p:spPr/>
+      </p:sp>
+      <p:sp>
+        <p:nvSpPr>
+          <p:cNvPr id="6" name="Marcador de Posição da Imagem 5">
+            <a:extLst>
+              <a:ext uri="{FF2B5EF4-FFF2-40B4-BE49-F238E27FC236}">
+                <a16:creationId xmlns:a16="http://schemas.microsoft.com/office/drawing/2014/main" id="{DC03C7CB-20CE-4349-79C4-E19A896DF5C9}"/>
+              </a:ext>
+            </a:extLst>
+          </p:cNvPr>
+          <p:cNvSpPr>
+            <a:spLocks noGrp="1"/>
+          </p:cNvSpPr>
+          <p:nvPr>
+            <p:ph type="pic" sz="quarter" idx="15"/>
+          </p:nvPr>
+        </p:nvSpPr>
+        <p:spPr/>
+      </p:sp>
+      <p:sp>
+        <p:nvSpPr>
+          <p:cNvPr id="9" name="Marcador de Posição do Número do Diapositivo 8">
+            <a:extLst>
+              <a:ext uri="{FF2B5EF4-FFF2-40B4-BE49-F238E27FC236}">
+                <a16:creationId xmlns:a16="http://schemas.microsoft.com/office/drawing/2014/main" id="{DCEC68EA-90F6-06C0-5F80-6283602B8659}"/>
+              </a:ext>
+            </a:extLst>
+          </p:cNvPr>
+          <p:cNvSpPr>
+            <a:spLocks noGrp="1"/>
+          </p:cNvSpPr>
+          <p:nvPr>
+            <p:ph type="sldNum" sz="quarter" idx="12"/>
+          </p:nvPr>
+        </p:nvSpPr>
+        <p:spPr/>
+        <p:txBody>
+          <a:bodyPr/>
+          <a:lstStyle/>
+          <a:p>
+            <a:pPr rtl="0"/>
+            <a:fld id="{DBA1B0FB-D917-4C8C-928F-313BD683BF39}" type="slidenum">
+              <a:rPr lang="pt-PT" smtClean="0"/>
+              <a:t>3</a:t>
+            </a:fld>
+            <a:endParaRPr lang="pt-PT"/>
+          </a:p>
+        </p:txBody>
+      </p:sp>
+      <p:sp>
+        <p:nvSpPr>
+          <p:cNvPr id="10" name="Marcador de Posição da Data 12">
+            <a:extLst>
+              <a:ext uri="{FF2B5EF4-FFF2-40B4-BE49-F238E27FC236}">
+                <a16:creationId xmlns:a16="http://schemas.microsoft.com/office/drawing/2014/main" id="{64878264-3C2E-FC92-B7FC-144C50566E68}"/>
+              </a:ext>
+            </a:extLst>
+          </p:cNvPr>
+          <p:cNvSpPr txBox="1">
+            <a:spLocks/>
+          </p:cNvSpPr>
+          <p:nvPr/>
+        </p:nvSpPr>
+        <p:spPr>
+          <a:xfrm>
+            <a:off x="432781" y="6507212"/>
+            <a:ext cx="4776147" cy="153888"/>
+          </a:xfrm>
+          <a:prstGeom prst="rect">
+            <a:avLst/>
+          </a:prstGeom>
+        </p:spPr>
+        <p:txBody>
+          <a:bodyPr vert="horz" wrap="square" lIns="0" tIns="0" rIns="0" bIns="0" rtlCol="0" anchor="ctr">
+            <a:noAutofit/>
+          </a:bodyPr>
+          <a:lstStyle>
+            <a:defPPr rtl="0">
+              <a:defRPr lang="pt-PT"/>
+            </a:defPPr>
+            <a:lvl1pPr marL="0" algn="l" defTabSz="914400" rtl="0" eaLnBrk="1" latinLnBrk="0" hangingPunct="1">
+              <a:defRPr sz="1000" kern="1200">
+                <a:solidFill>
+                  <a:schemeClr val="tx1">
+                    <a:lumMod val="65000"/>
+                    <a:alpha val="80000"/>
+                  </a:schemeClr>
+                </a:solidFill>
+                <a:latin typeface="+mn-lt"/>
+                <a:ea typeface="+mn-ea"/>
+                <a:cs typeface="+mn-cs"/>
+              </a:defRPr>
+            </a:lvl1pPr>
+            <a:lvl2pPr marL="457200" algn="l" defTabSz="914400" rtl="0" eaLnBrk="1" latinLnBrk="0" hangingPunct="1">
+              <a:defRPr sz="1800" kern="1200">
+                <a:solidFill>
+                  <a:schemeClr val="tx1"/>
+                </a:solidFill>
+                <a:latin typeface="+mn-lt"/>
+                <a:ea typeface="+mn-ea"/>
+                <a:cs typeface="+mn-cs"/>
+              </a:defRPr>
+            </a:lvl2pPr>
+            <a:lvl3pPr marL="914400" algn="l" defTabSz="914400" rtl="0" eaLnBrk="1" latinLnBrk="0" hangingPunct="1">
+              <a:defRPr sz="1800" kern="1200">
+                <a:solidFill>
+                  <a:schemeClr val="tx1"/>
+                </a:solidFill>
+                <a:latin typeface="+mn-lt"/>
+                <a:ea typeface="+mn-ea"/>
+                <a:cs typeface="+mn-cs"/>
+              </a:defRPr>
+            </a:lvl3pPr>
+            <a:lvl4pPr marL="1371600" algn="l" defTabSz="914400" rtl="0" eaLnBrk="1" latinLnBrk="0" hangingPunct="1">
+              <a:defRPr sz="1800" kern="1200">
+                <a:solidFill>
+                  <a:schemeClr val="tx1"/>
+                </a:solidFill>
+                <a:latin typeface="+mn-lt"/>
+                <a:ea typeface="+mn-ea"/>
+                <a:cs typeface="+mn-cs"/>
+              </a:defRPr>
+            </a:lvl4pPr>
+            <a:lvl5pPr marL="1828800" algn="l" defTabSz="914400" rtl="0" eaLnBrk="1" latinLnBrk="0" hangingPunct="1">
+              <a:defRPr sz="1800" kern="1200">
+                <a:solidFill>
+                  <a:schemeClr val="tx1"/>
+                </a:solidFill>
+                <a:latin typeface="+mn-lt"/>
+                <a:ea typeface="+mn-ea"/>
+                <a:cs typeface="+mn-cs"/>
+              </a:defRPr>
+            </a:lvl5pPr>
+            <a:lvl6pPr marL="2286000" algn="l" defTabSz="914400" rtl="0" eaLnBrk="1" latinLnBrk="0" hangingPunct="1">
+              <a:defRPr sz="1800" kern="1200">
+                <a:solidFill>
+                  <a:schemeClr val="tx1"/>
+                </a:solidFill>
+                <a:latin typeface="+mn-lt"/>
+                <a:ea typeface="+mn-ea"/>
+                <a:cs typeface="+mn-cs"/>
+              </a:defRPr>
+            </a:lvl6pPr>
+            <a:lvl7pPr marL="2743200" algn="l" defTabSz="914400" rtl="0" eaLnBrk="1" latinLnBrk="0" hangingPunct="1">
+              <a:defRPr sz="1800" kern="1200">
+                <a:solidFill>
+                  <a:schemeClr val="tx1"/>
+                </a:solidFill>
+                <a:latin typeface="+mn-lt"/>
+                <a:ea typeface="+mn-ea"/>
+                <a:cs typeface="+mn-cs"/>
+              </a:defRPr>
+            </a:lvl7pPr>
+            <a:lvl8pPr marL="3200400" algn="l" defTabSz="914400" rtl="0" eaLnBrk="1" latinLnBrk="0" hangingPunct="1">
+              <a:defRPr sz="1800" kern="1200">
+                <a:solidFill>
+                  <a:schemeClr val="tx1"/>
+                </a:solidFill>
+                <a:latin typeface="+mn-lt"/>
+                <a:ea typeface="+mn-ea"/>
+                <a:cs typeface="+mn-cs"/>
+              </a:defRPr>
+            </a:lvl8pPr>
+            <a:lvl9pPr marL="3657600" algn="l" defTabSz="914400" rtl="0" eaLnBrk="1" latinLnBrk="0" hangingPunct="1">
+              <a:defRPr sz="1800" kern="1200">
+                <a:solidFill>
+                  <a:schemeClr val="tx1"/>
+                </a:solidFill>
+                <a:latin typeface="+mn-lt"/>
+                <a:ea typeface="+mn-ea"/>
+                <a:cs typeface="+mn-cs"/>
+              </a:defRPr>
+            </a:lvl9pPr>
+          </a:lstStyle>
+          <a:p>
+            <a:r>
+              <a:rPr lang="pt-PT"/>
+              <a:t>PLANEAMENTO E OTIMIZACÂO DE UMA  REDE MOVEL GSM - CENÁRIO URBANO</a:t>
+            </a:r>
+            <a:endParaRPr lang="pt-PT" dirty="0"/>
+          </a:p>
+        </p:txBody>
+      </p:sp>
+    </p:spTree>
+    <p:extLst>
+      <p:ext uri="{BB962C8B-B14F-4D97-AF65-F5344CB8AC3E}">
+        <p14:creationId xmlns:p14="http://schemas.microsoft.com/office/powerpoint/2010/main" val="3940516387"/>
+      </p:ext>
+    </p:extLst>
+  </p:cSld>
+  <p:clrMapOvr>
+    <a:masterClrMapping/>
+  </p:clrMapOvr>
+</p:sld>
+</file>
+
+<file path=ppt/slides/slide4.xml><?xml version="1.0" encoding="utf-8"?>
+<p:sld xmlns:a="http://schemas.openxmlformats.org/drawingml/2006/main" xmlns:r="http://schemas.openxmlformats.org/officeDocument/2006/relationships" xmlns:p="http://schemas.openxmlformats.org/presentationml/2006/main">
+  <p:cSld>
+    <p:spTree>
+      <p:nvGrpSpPr>
+        <p:cNvPr id="1" name=""/>
+        <p:cNvGrpSpPr/>
+        <p:nvPr/>
+      </p:nvGrpSpPr>
+      <p:grpSpPr>
+        <a:xfrm>
+          <a:off x="0" y="0"/>
+          <a:ext cx="0" cy="0"/>
+          <a:chOff x="0" y="0"/>
+          <a:chExt cx="0" cy="0"/>
+        </a:xfrm>
+      </p:grpSpPr>
+      <p:sp>
+        <p:nvSpPr>
+          <p:cNvPr id="2" name="Título 1">
+            <a:extLst>
+              <a:ext uri="{FF2B5EF4-FFF2-40B4-BE49-F238E27FC236}">
+                <a16:creationId xmlns:a16="http://schemas.microsoft.com/office/drawing/2014/main" id="{0046426E-F6F6-4A7C-9181-8C3090996261}"/>
+              </a:ext>
+            </a:extLst>
+          </p:cNvPr>
+          <p:cNvSpPr>
+            <a:spLocks noGrp="1"/>
+          </p:cNvSpPr>
+          <p:nvPr>
+            <p:ph type="title"/>
+          </p:nvPr>
+        </p:nvSpPr>
+        <p:spPr>
+          <a:xfrm>
+            <a:off x="550863" y="556649"/>
+            <a:ext cx="4130193" cy="1997855"/>
+          </a:xfrm>
+        </p:spPr>
+        <p:txBody>
+          <a:bodyPr rtlCol="0"/>
+          <a:lstStyle/>
+          <a:p>
+            <a:pPr rtl="0"/>
+            <a:r>
+              <a:rPr lang="pt-PT" dirty="0"/>
+              <a:t>Área de estudo</a:t>
+            </a:r>
+          </a:p>
+        </p:txBody>
+      </p:sp>
+      <p:sp>
+        <p:nvSpPr>
+          <p:cNvPr id="3" name="Marcador de Posição de Conteúdo 2">
+            <a:extLst>
+              <a:ext uri="{FF2B5EF4-FFF2-40B4-BE49-F238E27FC236}">
+                <a16:creationId xmlns:a16="http://schemas.microsoft.com/office/drawing/2014/main" id="{D3B60D6F-4D0F-4D33-B2A7-159C8583FF00}"/>
+              </a:ext>
+            </a:extLst>
+          </p:cNvPr>
+          <p:cNvSpPr>
+            <a:spLocks noGrp="1"/>
+          </p:cNvSpPr>
+          <p:nvPr>
+            <p:ph idx="1"/>
+          </p:nvPr>
+        </p:nvSpPr>
+        <p:spPr>
+          <a:xfrm>
+            <a:off x="550863" y="2677306"/>
+            <a:ext cx="3565525" cy="3415519"/>
+          </a:xfrm>
+        </p:spPr>
+        <p:txBody>
+          <a:bodyPr rtlCol="0"/>
+          <a:lstStyle/>
+          <a:p>
+            <a:pPr rtl="0"/>
+            <a:r>
+              <a:rPr lang="pt-PT" dirty="0"/>
+              <a:t>Zona:</a:t>
+            </a:r>
+            <a:br>
+              <a:rPr lang="pt-PT" dirty="0"/>
+            </a:br>
+            <a:r>
+              <a:rPr lang="pt-PT" dirty="0"/>
+              <a:t>- Marinha Grande, Distrito: Leiria</a:t>
+            </a:r>
+            <a:br>
+              <a:rPr lang="pt-PT" dirty="0"/>
+            </a:br>
+            <a:r>
+              <a:rPr lang="pt-PT" dirty="0"/>
+              <a:t>- </a:t>
+            </a:r>
+            <a:r>
+              <a:rPr lang="pt-PT" b="0" i="0" dirty="0">
+                <a:effectLst/>
+                <a:latin typeface="Roboto" panose="020B0604020202020204" pitchFamily="2" charset="0"/>
+              </a:rPr>
+              <a:t>139 km² de área </a:t>
+            </a:r>
+            <a:br>
+              <a:rPr lang="pt-PT" b="0" i="0" dirty="0">
+                <a:effectLst/>
+                <a:latin typeface="Roboto" panose="020B0604020202020204" pitchFamily="2" charset="0"/>
+              </a:rPr>
+            </a:br>
+            <a:r>
+              <a:rPr lang="pt-PT" b="0" i="0" dirty="0">
+                <a:effectLst/>
+                <a:latin typeface="Roboto" panose="020B0604020202020204" pitchFamily="2" charset="0"/>
+              </a:rPr>
+              <a:t> - 31 413 habitantes</a:t>
+            </a:r>
+            <a:endParaRPr lang="pt-PT" dirty="0"/>
+          </a:p>
+          <a:p>
+            <a:pPr rtl="0"/>
+            <a:r>
+              <a:rPr lang="pt-PT" dirty="0"/>
+              <a:t> Área em estudo:</a:t>
+            </a:r>
+            <a:br>
+              <a:rPr lang="pt-PT" dirty="0"/>
+            </a:br>
+            <a:r>
+              <a:rPr lang="pt-PT" dirty="0"/>
+              <a:t>- 28 Km2</a:t>
+            </a:r>
+            <a:br>
+              <a:rPr lang="pt-PT" dirty="0"/>
+            </a:br>
+            <a:r>
+              <a:rPr lang="pt-PT" dirty="0"/>
+              <a:t>- 6300 </a:t>
+            </a:r>
+            <a:r>
+              <a:rPr lang="pt-PT" b="0" i="0" dirty="0">
+                <a:effectLst/>
+                <a:latin typeface="Roboto" panose="020B0604020202020204" pitchFamily="2" charset="0"/>
+              </a:rPr>
+              <a:t>habitantes</a:t>
+            </a:r>
+            <a:br>
+              <a:rPr lang="pt-PT" dirty="0"/>
+            </a:br>
+            <a:r>
+              <a:rPr lang="pt-PT" dirty="0"/>
+              <a:t>       </a:t>
+            </a:r>
+          </a:p>
+          <a:p>
+            <a:pPr rtl="0"/>
+            <a:endParaRPr lang="pt-PT" dirty="0"/>
+          </a:p>
+        </p:txBody>
+      </p:sp>
+      <p:sp>
+        <p:nvSpPr>
+          <p:cNvPr id="13" name="Marcador de Posição da Data 12">
+            <a:extLst>
+              <a:ext uri="{FF2B5EF4-FFF2-40B4-BE49-F238E27FC236}">
+                <a16:creationId xmlns:a16="http://schemas.microsoft.com/office/drawing/2014/main" id="{915FE2C5-E66A-4405-B19E-2C5C546C98E4}"/>
+              </a:ext>
+            </a:extLst>
+          </p:cNvPr>
+          <p:cNvSpPr>
+            <a:spLocks noGrp="1"/>
+          </p:cNvSpPr>
+          <p:nvPr>
+            <p:ph type="dt" sz="half" idx="10"/>
+          </p:nvPr>
+        </p:nvSpPr>
+        <p:spPr>
+          <a:xfrm>
+            <a:off x="550862" y="6507212"/>
+            <a:ext cx="4776147" cy="153888"/>
+          </a:xfrm>
+        </p:spPr>
+        <p:txBody>
+          <a:bodyPr rtlCol="0"/>
+          <a:lstStyle/>
+          <a:p>
+            <a:pPr rtl="0"/>
+            <a:r>
+              <a:rPr lang="pt-PT" sz="1000" dirty="0">
+                <a:latin typeface="+mn-lt"/>
+              </a:rPr>
+              <a:t>PLANEAMENTO E OTIMIZACÂO DE UMA  REDE MOVEL </a:t>
+            </a:r>
+            <a:r>
+              <a:rPr lang="pt-PT" dirty="0"/>
+              <a:t>GSM</a:t>
+            </a:r>
+            <a:r>
+              <a:rPr lang="pt-PT" sz="1000" dirty="0">
+                <a:latin typeface="+mn-lt"/>
+              </a:rPr>
+              <a:t> - CENÁRIO URBANO</a:t>
+            </a:r>
+            <a:endParaRPr lang="pt-PT" dirty="0"/>
+          </a:p>
+        </p:txBody>
+      </p:sp>
+      <p:sp>
+        <p:nvSpPr>
+          <p:cNvPr id="14" name="Marcador de Posição do Rodapé 13">
+            <a:extLst>
+              <a:ext uri="{FF2B5EF4-FFF2-40B4-BE49-F238E27FC236}">
+                <a16:creationId xmlns:a16="http://schemas.microsoft.com/office/drawing/2014/main" id="{B01DF4D0-78BC-4C8C-9570-26F0B225433A}"/>
+              </a:ext>
+            </a:extLst>
+          </p:cNvPr>
+          <p:cNvSpPr>
+            <a:spLocks noGrp="1"/>
+          </p:cNvSpPr>
+          <p:nvPr>
+            <p:ph type="ftr" sz="quarter" idx="11"/>
+          </p:nvPr>
+        </p:nvSpPr>
+        <p:spPr>
+          <a:xfrm>
+            <a:off x="9227890" y="6507212"/>
+            <a:ext cx="1912690" cy="153888"/>
+          </a:xfrm>
+        </p:spPr>
+        <p:txBody>
+          <a:bodyPr rtlCol="0"/>
+          <a:lstStyle/>
+          <a:p>
+            <a:pPr rtl="0"/>
+            <a:r>
+              <a:rPr lang="en-US" sz="1000" dirty="0"/>
+              <a:t>COMUNICAÇÕES MÓVEIS</a:t>
+            </a:r>
+          </a:p>
+        </p:txBody>
+      </p:sp>
+      <p:sp>
+        <p:nvSpPr>
+          <p:cNvPr id="15" name="Marcador de Posição do Número do Diapositivo 14">
+            <a:extLst>
+              <a:ext uri="{FF2B5EF4-FFF2-40B4-BE49-F238E27FC236}">
+                <a16:creationId xmlns:a16="http://schemas.microsoft.com/office/drawing/2014/main" id="{3B199C97-F175-437D-8311-DB662925C063}"/>
+              </a:ext>
+            </a:extLst>
+          </p:cNvPr>
+          <p:cNvSpPr>
+            <a:spLocks noGrp="1"/>
+          </p:cNvSpPr>
+          <p:nvPr>
+            <p:ph type="sldNum" sz="quarter" idx="12"/>
+          </p:nvPr>
+        </p:nvSpPr>
+        <p:spPr>
+          <a:xfrm>
+            <a:off x="9948863" y="6507212"/>
+            <a:ext cx="1692274" cy="153888"/>
+          </a:xfrm>
+        </p:spPr>
+        <p:txBody>
+          <a:bodyPr rtlCol="0"/>
+          <a:lstStyle/>
+          <a:p>
+            <a:pPr rtl="0"/>
+            <a:fld id="{DBA1B0FB-D917-4C8C-928F-313BD683BF39}" type="slidenum">
+              <a:rPr lang="pt-PT" smtClean="0"/>
+              <a:pPr rtl="0"/>
+              <a:t>4</a:t>
+            </a:fld>
+            <a:endParaRPr lang="pt-PT" dirty="0"/>
+          </a:p>
+        </p:txBody>
+      </p:sp>
+      <p:pic>
+        <p:nvPicPr>
+          <p:cNvPr id="5" name="Imagem 4" descr="Uma imagem com mapa&#10;&#10;Descrição gerada automaticamente">
+            <a:extLst>
+              <a:ext uri="{FF2B5EF4-FFF2-40B4-BE49-F238E27FC236}">
+                <a16:creationId xmlns:a16="http://schemas.microsoft.com/office/drawing/2014/main" id="{38FB0F8E-C533-2B27-C239-7A2EAED5EA1F}"/>
+              </a:ext>
+            </a:extLst>
+          </p:cNvPr>
+          <p:cNvPicPr>
+            <a:picLocks noChangeAspect="1"/>
+          </p:cNvPicPr>
+          <p:nvPr/>
+        </p:nvPicPr>
+        <p:blipFill>
+          <a:blip r:embed="rId2"/>
+          <a:stretch>
+            <a:fillRect/>
+          </a:stretch>
+        </p:blipFill>
+        <p:spPr>
+          <a:xfrm>
+            <a:off x="7684564" y="1024265"/>
+            <a:ext cx="3565525" cy="2005608"/>
+          </a:xfrm>
+          <a:prstGeom prst="rect">
+            <a:avLst/>
+          </a:prstGeom>
+        </p:spPr>
+      </p:pic>
+      <p:pic>
+        <p:nvPicPr>
+          <p:cNvPr id="10" name="Imagem 9" descr="Uma imagem com mapa&#10;&#10;Descrição gerada automaticamente">
+            <a:extLst>
+              <a:ext uri="{FF2B5EF4-FFF2-40B4-BE49-F238E27FC236}">
+                <a16:creationId xmlns:a16="http://schemas.microsoft.com/office/drawing/2014/main" id="{C419E2C9-6FE3-E774-210E-E2E850ADA088}"/>
+              </a:ext>
+            </a:extLst>
+          </p:cNvPr>
+          <p:cNvPicPr>
+            <a:picLocks noChangeAspect="1"/>
+          </p:cNvPicPr>
+          <p:nvPr/>
+        </p:nvPicPr>
+        <p:blipFill>
+          <a:blip r:embed="rId3" cstate="print">
+            <a:extLst>
+              <a:ext uri="{28A0092B-C50C-407E-A947-70E740481C1C}">
+                <a14:useLocalDpi xmlns:a14="http://schemas.microsoft.com/office/drawing/2010/main" val="0"/>
+              </a:ext>
+            </a:extLst>
+          </a:blip>
+          <a:srcRect/>
+          <a:stretch>
+            <a:fillRect/>
+          </a:stretch>
+        </p:blipFill>
+        <p:spPr bwMode="auto">
+          <a:xfrm>
+            <a:off x="7651496" y="3311085"/>
+            <a:ext cx="3598593" cy="2781740"/>
+          </a:xfrm>
+          <a:prstGeom prst="rect">
+            <a:avLst/>
+          </a:prstGeom>
+          <a:noFill/>
+          <a:ln>
+            <a:noFill/>
+          </a:ln>
+        </p:spPr>
+      </p:pic>
+    </p:spTree>
+    <p:extLst>
+      <p:ext uri="{BB962C8B-B14F-4D97-AF65-F5344CB8AC3E}">
+        <p14:creationId xmlns:p14="http://schemas.microsoft.com/office/powerpoint/2010/main" val="2313234867"/>
+      </p:ext>
+    </p:extLst>
+  </p:cSld>
+  <p:clrMapOvr>
+    <a:masterClrMapping/>
+  </p:clrMapOvr>
+</p:sld>
+</file>
+
+<file path=ppt/slides/slide5.xml><?xml version="1.0" encoding="utf-8"?>
+<p:sld xmlns:a="http://schemas.openxmlformats.org/drawingml/2006/main" xmlns:r="http://schemas.openxmlformats.org/officeDocument/2006/relationships" xmlns:p="http://schemas.openxmlformats.org/presentationml/2006/main">
+  <p:cSld>
+    <p:spTree>
+      <p:nvGrpSpPr>
+        <p:cNvPr id="1" name=""/>
+        <p:cNvGrpSpPr/>
+        <p:nvPr/>
+      </p:nvGrpSpPr>
+      <p:grpSpPr>
+        <a:xfrm>
+          <a:off x="0" y="0"/>
+          <a:ext cx="0" cy="0"/>
+          <a:chOff x="0" y="0"/>
+          <a:chExt cx="0" cy="0"/>
+        </a:xfrm>
+      </p:grpSpPr>
+      <p:sp>
+        <p:nvSpPr>
+          <p:cNvPr id="2" name="Título 1">
+            <a:extLst>
+              <a:ext uri="{FF2B5EF4-FFF2-40B4-BE49-F238E27FC236}">
+                <a16:creationId xmlns:a16="http://schemas.microsoft.com/office/drawing/2014/main" id="{339ADC89-84D1-9B02-7281-4C26A718A27F}"/>
+              </a:ext>
+            </a:extLst>
+          </p:cNvPr>
+          <p:cNvSpPr>
+            <a:spLocks noGrp="1"/>
+          </p:cNvSpPr>
+          <p:nvPr>
+            <p:ph type="title"/>
+          </p:nvPr>
+        </p:nvSpPr>
+        <p:spPr/>
+        <p:txBody>
+          <a:bodyPr/>
+          <a:lstStyle/>
+          <a:p>
+            <a:r>
+              <a:rPr lang="pt-PT" dirty="0"/>
+              <a:t>Planeamento</a:t>
+            </a:r>
+            <a:endParaRPr lang="en-US" dirty="0"/>
+          </a:p>
+        </p:txBody>
+      </p:sp>
+      <p:sp>
+        <p:nvSpPr>
+          <p:cNvPr id="3" name="Marcador de Posição de Conteúdo 2">
+            <a:extLst>
+              <a:ext uri="{FF2B5EF4-FFF2-40B4-BE49-F238E27FC236}">
+                <a16:creationId xmlns:a16="http://schemas.microsoft.com/office/drawing/2014/main" id="{7F5DDE6C-3F06-1FC4-7494-FA803D87D479}"/>
+              </a:ext>
+            </a:extLst>
+          </p:cNvPr>
+          <p:cNvSpPr>
+            <a:spLocks noGrp="1"/>
+          </p:cNvSpPr>
+          <p:nvPr>
+            <p:ph idx="1"/>
+          </p:nvPr>
+        </p:nvSpPr>
+        <p:spPr/>
+        <p:txBody>
+          <a:bodyPr/>
+          <a:lstStyle/>
+          <a:p>
+            <a:pPr marL="342900" indent="-342900">
+              <a:buFont typeface="Arial" panose="020B0604020202020204" pitchFamily="34" charset="0"/>
+              <a:buChar char="•"/>
+            </a:pPr>
+            <a:r>
+              <a:rPr lang="pt-PT" dirty="0"/>
+              <a:t>Simulação free </a:t>
+            </a:r>
+            <a:r>
+              <a:rPr lang="pt-PT" dirty="0" err="1"/>
+              <a:t>space</a:t>
+            </a:r>
+            <a:r>
+              <a:rPr lang="pt-PT" dirty="0"/>
+              <a:t>, </a:t>
+            </a:r>
+            <a:r>
+              <a:rPr lang="pt-PT" dirty="0" err="1"/>
+              <a:t>Longely</a:t>
+            </a:r>
+            <a:r>
+              <a:rPr lang="pt-PT" dirty="0"/>
+              <a:t>-rice, </a:t>
+            </a:r>
+            <a:r>
+              <a:rPr lang="pt-PT" dirty="0" err="1"/>
+              <a:t>raytracing</a:t>
+            </a:r>
+            <a:endParaRPr lang="pt-PT" dirty="0"/>
+          </a:p>
+          <a:p>
+            <a:pPr marL="342900" indent="-342900">
+              <a:buFont typeface="Arial" panose="020B0604020202020204" pitchFamily="34" charset="0"/>
+              <a:buChar char="•"/>
+            </a:pPr>
+            <a:r>
+              <a:rPr lang="pt-PT" dirty="0"/>
+              <a:t>1 estação base</a:t>
+            </a:r>
+          </a:p>
+          <a:p>
+            <a:pPr marL="342900" indent="-342900">
+              <a:buFont typeface="Arial" panose="020B0604020202020204" pitchFamily="34" charset="0"/>
+              <a:buChar char="•"/>
+            </a:pPr>
+            <a:r>
+              <a:rPr lang="pt-PT" dirty="0"/>
+              <a:t>Comparações e testes</a:t>
+            </a:r>
+            <a:endParaRPr lang="en-US" dirty="0"/>
+          </a:p>
+        </p:txBody>
+      </p:sp>
+      <p:sp>
+        <p:nvSpPr>
+          <p:cNvPr id="4" name="Marcador de Posição da Imagem 3">
+            <a:extLst>
+              <a:ext uri="{FF2B5EF4-FFF2-40B4-BE49-F238E27FC236}">
+                <a16:creationId xmlns:a16="http://schemas.microsoft.com/office/drawing/2014/main" id="{76A866CF-C872-6249-81F2-341ED9479596}"/>
+              </a:ext>
+            </a:extLst>
+          </p:cNvPr>
+          <p:cNvSpPr>
+            <a:spLocks noGrp="1"/>
+          </p:cNvSpPr>
+          <p:nvPr>
+            <p:ph type="pic" sz="quarter" idx="13"/>
+          </p:nvPr>
+        </p:nvSpPr>
+        <p:spPr/>
+      </p:sp>
+      <p:sp>
+        <p:nvSpPr>
+          <p:cNvPr id="5" name="Marcador de Posição da Imagem 4">
+            <a:extLst>
+              <a:ext uri="{FF2B5EF4-FFF2-40B4-BE49-F238E27FC236}">
+                <a16:creationId xmlns:a16="http://schemas.microsoft.com/office/drawing/2014/main" id="{AE3E9592-01A8-E91E-4CA6-673FE5B10543}"/>
+              </a:ext>
+            </a:extLst>
+          </p:cNvPr>
+          <p:cNvSpPr>
+            <a:spLocks noGrp="1"/>
+          </p:cNvSpPr>
+          <p:nvPr>
+            <p:ph type="pic" sz="quarter" idx="14"/>
+          </p:nvPr>
+        </p:nvSpPr>
+        <p:spPr/>
+      </p:sp>
+      <p:sp>
+        <p:nvSpPr>
+          <p:cNvPr id="6" name="Marcador de Posição da Imagem 5">
+            <a:extLst>
+              <a:ext uri="{FF2B5EF4-FFF2-40B4-BE49-F238E27FC236}">
+                <a16:creationId xmlns:a16="http://schemas.microsoft.com/office/drawing/2014/main" id="{D7B2AAAC-3B03-3979-9E3F-4E121576CEC4}"/>
+              </a:ext>
+            </a:extLst>
+          </p:cNvPr>
+          <p:cNvSpPr>
+            <a:spLocks noGrp="1"/>
+          </p:cNvSpPr>
+          <p:nvPr>
+            <p:ph type="pic" sz="quarter" idx="15"/>
+          </p:nvPr>
+        </p:nvSpPr>
+        <p:spPr/>
+      </p:sp>
+      <p:sp>
+        <p:nvSpPr>
+          <p:cNvPr id="9" name="Marcador de Posição do Número do Diapositivo 8">
+            <a:extLst>
+              <a:ext uri="{FF2B5EF4-FFF2-40B4-BE49-F238E27FC236}">
+                <a16:creationId xmlns:a16="http://schemas.microsoft.com/office/drawing/2014/main" id="{9DBF2B49-AA07-E8FB-53A6-6516DD210060}"/>
+              </a:ext>
+            </a:extLst>
+          </p:cNvPr>
+          <p:cNvSpPr>
+            <a:spLocks noGrp="1"/>
+          </p:cNvSpPr>
+          <p:nvPr>
+            <p:ph type="sldNum" sz="quarter" idx="12"/>
+          </p:nvPr>
+        </p:nvSpPr>
+        <p:spPr/>
+        <p:txBody>
+          <a:bodyPr/>
+          <a:lstStyle/>
+          <a:p>
+            <a:pPr rtl="0"/>
+            <a:fld id="{DBA1B0FB-D917-4C8C-928F-313BD683BF39}" type="slidenum">
+              <a:rPr lang="pt-PT" smtClean="0"/>
+              <a:t>5</a:t>
+            </a:fld>
+            <a:endParaRPr lang="pt-PT"/>
+          </a:p>
+        </p:txBody>
+      </p:sp>
+      <p:sp>
+        <p:nvSpPr>
+          <p:cNvPr id="10" name="Marcador de Posição da Data 12">
+            <a:extLst>
+              <a:ext uri="{FF2B5EF4-FFF2-40B4-BE49-F238E27FC236}">
+                <a16:creationId xmlns:a16="http://schemas.microsoft.com/office/drawing/2014/main" id="{3D476E51-AA7E-160B-1A45-5AFCE72AE9FF}"/>
+              </a:ext>
+            </a:extLst>
+          </p:cNvPr>
+          <p:cNvSpPr txBox="1">
+            <a:spLocks/>
+          </p:cNvSpPr>
+          <p:nvPr/>
+        </p:nvSpPr>
+        <p:spPr>
+          <a:xfrm>
+            <a:off x="821372" y="6507212"/>
+            <a:ext cx="4776147" cy="153888"/>
+          </a:xfrm>
+          <a:prstGeom prst="rect">
+            <a:avLst/>
+          </a:prstGeom>
+        </p:spPr>
+        <p:txBody>
+          <a:bodyPr vert="horz" wrap="square" lIns="0" tIns="0" rIns="0" bIns="0" rtlCol="0" anchor="ctr">
+            <a:noAutofit/>
+          </a:bodyPr>
+          <a:lstStyle>
+            <a:defPPr rtl="0">
+              <a:defRPr lang="pt-PT"/>
+            </a:defPPr>
+            <a:lvl1pPr marL="0" algn="l" defTabSz="914400" rtl="0" eaLnBrk="1" latinLnBrk="0" hangingPunct="1">
+              <a:defRPr sz="1000" kern="1200">
+                <a:solidFill>
+                  <a:schemeClr val="tx1">
+                    <a:lumMod val="65000"/>
+                    <a:alpha val="80000"/>
+                  </a:schemeClr>
+                </a:solidFill>
+                <a:latin typeface="+mn-lt"/>
+                <a:ea typeface="+mn-ea"/>
+                <a:cs typeface="+mn-cs"/>
+              </a:defRPr>
+            </a:lvl1pPr>
+            <a:lvl2pPr marL="457200" algn="l" defTabSz="914400" rtl="0" eaLnBrk="1" latinLnBrk="0" hangingPunct="1">
+              <a:defRPr sz="1800" kern="1200">
+                <a:solidFill>
+                  <a:schemeClr val="tx1"/>
+                </a:solidFill>
+                <a:latin typeface="+mn-lt"/>
+                <a:ea typeface="+mn-ea"/>
+                <a:cs typeface="+mn-cs"/>
+              </a:defRPr>
+            </a:lvl2pPr>
+            <a:lvl3pPr marL="914400" algn="l" defTabSz="914400" rtl="0" eaLnBrk="1" latinLnBrk="0" hangingPunct="1">
+              <a:defRPr sz="1800" kern="1200">
+                <a:solidFill>
+                  <a:schemeClr val="tx1"/>
+                </a:solidFill>
+                <a:latin typeface="+mn-lt"/>
+                <a:ea typeface="+mn-ea"/>
+                <a:cs typeface="+mn-cs"/>
+              </a:defRPr>
+            </a:lvl3pPr>
+            <a:lvl4pPr marL="1371600" algn="l" defTabSz="914400" rtl="0" eaLnBrk="1" latinLnBrk="0" hangingPunct="1">
+              <a:defRPr sz="1800" kern="1200">
+                <a:solidFill>
+                  <a:schemeClr val="tx1"/>
+                </a:solidFill>
+                <a:latin typeface="+mn-lt"/>
+                <a:ea typeface="+mn-ea"/>
+                <a:cs typeface="+mn-cs"/>
+              </a:defRPr>
+            </a:lvl4pPr>
+            <a:lvl5pPr marL="1828800" algn="l" defTabSz="914400" rtl="0" eaLnBrk="1" latinLnBrk="0" hangingPunct="1">
+              <a:defRPr sz="1800" kern="1200">
+                <a:solidFill>
+                  <a:schemeClr val="tx1"/>
+                </a:solidFill>
+                <a:latin typeface="+mn-lt"/>
+                <a:ea typeface="+mn-ea"/>
+                <a:cs typeface="+mn-cs"/>
+              </a:defRPr>
+            </a:lvl5pPr>
+            <a:lvl6pPr marL="2286000" algn="l" defTabSz="914400" rtl="0" eaLnBrk="1" latinLnBrk="0" hangingPunct="1">
+              <a:defRPr sz="1800" kern="1200">
+                <a:solidFill>
+                  <a:schemeClr val="tx1"/>
+                </a:solidFill>
+                <a:latin typeface="+mn-lt"/>
+                <a:ea typeface="+mn-ea"/>
+                <a:cs typeface="+mn-cs"/>
+              </a:defRPr>
+            </a:lvl6pPr>
+            <a:lvl7pPr marL="2743200" algn="l" defTabSz="914400" rtl="0" eaLnBrk="1" latinLnBrk="0" hangingPunct="1">
+              <a:defRPr sz="1800" kern="1200">
+                <a:solidFill>
+                  <a:schemeClr val="tx1"/>
+                </a:solidFill>
+                <a:latin typeface="+mn-lt"/>
+                <a:ea typeface="+mn-ea"/>
+                <a:cs typeface="+mn-cs"/>
+              </a:defRPr>
+            </a:lvl7pPr>
+            <a:lvl8pPr marL="3200400" algn="l" defTabSz="914400" rtl="0" eaLnBrk="1" latinLnBrk="0" hangingPunct="1">
+              <a:defRPr sz="1800" kern="1200">
+                <a:solidFill>
+                  <a:schemeClr val="tx1"/>
+                </a:solidFill>
+                <a:latin typeface="+mn-lt"/>
+                <a:ea typeface="+mn-ea"/>
+                <a:cs typeface="+mn-cs"/>
+              </a:defRPr>
+            </a:lvl8pPr>
+            <a:lvl9pPr marL="3657600" algn="l" defTabSz="914400" rtl="0" eaLnBrk="1" latinLnBrk="0" hangingPunct="1">
+              <a:defRPr sz="1800" kern="1200">
+                <a:solidFill>
+                  <a:schemeClr val="tx1"/>
+                </a:solidFill>
+                <a:latin typeface="+mn-lt"/>
+                <a:ea typeface="+mn-ea"/>
+                <a:cs typeface="+mn-cs"/>
+              </a:defRPr>
+            </a:lvl9pPr>
+          </a:lstStyle>
+          <a:p>
+            <a:r>
+              <a:rPr lang="pt-PT"/>
+              <a:t>PLANEAMENTO E OTIMIZACÂO DE UMA  REDE MOVEL GSM - CENÁRIO URBANO</a:t>
+            </a:r>
+            <a:endParaRPr lang="pt-PT" dirty="0"/>
+          </a:p>
+        </p:txBody>
+      </p:sp>
+    </p:spTree>
+    <p:extLst>
+      <p:ext uri="{BB962C8B-B14F-4D97-AF65-F5344CB8AC3E}">
+        <p14:creationId xmlns:p14="http://schemas.microsoft.com/office/powerpoint/2010/main" val="2118036533"/>
+      </p:ext>
+    </p:extLst>
+  </p:cSld>
+  <p:clrMapOvr>
+    <a:masterClrMapping/>
+  </p:clrMapOvr>
+</p:sld>
+</file>
+
+<file path=ppt/slides/slide6.xml><?xml version="1.0" encoding="utf-8"?>
+<p:sld xmlns:a="http://schemas.openxmlformats.org/drawingml/2006/main" xmlns:r="http://schemas.openxmlformats.org/officeDocument/2006/relationships" xmlns:p="http://schemas.openxmlformats.org/presentationml/2006/main">
+  <p:cSld>
+    <p:spTree>
+      <p:nvGrpSpPr>
+        <p:cNvPr id="1" name=""/>
+        <p:cNvGrpSpPr/>
+        <p:nvPr/>
+      </p:nvGrpSpPr>
+      <p:grpSpPr>
+        <a:xfrm>
+          <a:off x="0" y="0"/>
+          <a:ext cx="0" cy="0"/>
+          <a:chOff x="0" y="0"/>
+          <a:chExt cx="0" cy="0"/>
+        </a:xfrm>
+      </p:grpSpPr>
+      <p:sp>
+        <p:nvSpPr>
+          <p:cNvPr id="9" name="Marcador de Posição do Número do Diapositivo 8">
+            <a:extLst>
+              <a:ext uri="{FF2B5EF4-FFF2-40B4-BE49-F238E27FC236}">
+                <a16:creationId xmlns:a16="http://schemas.microsoft.com/office/drawing/2014/main" id="{25AA6841-FF3B-4055-BE83-0BD7C7650B7C}"/>
+              </a:ext>
+            </a:extLst>
+          </p:cNvPr>
+          <p:cNvSpPr>
+            <a:spLocks noGrp="1"/>
+          </p:cNvSpPr>
+          <p:nvPr>
+            <p:ph type="sldNum" sz="quarter" idx="12"/>
+          </p:nvPr>
+        </p:nvSpPr>
+        <p:spPr/>
+        <p:txBody>
+          <a:bodyPr/>
+          <a:lstStyle/>
+          <a:p>
+            <a:pPr rtl="0"/>
+            <a:fld id="{DBA1B0FB-D917-4C8C-928F-313BD683BF39}" type="slidenum">
+              <a:rPr lang="pt-PT" smtClean="0"/>
+              <a:t>6</a:t>
+            </a:fld>
+            <a:endParaRPr lang="pt-PT"/>
+          </a:p>
+        </p:txBody>
+      </p:sp>
+      <p:sp>
+        <p:nvSpPr>
+          <p:cNvPr id="27" name="Marcador de Posição da Data 12">
+            <a:extLst>
+              <a:ext uri="{FF2B5EF4-FFF2-40B4-BE49-F238E27FC236}">
+                <a16:creationId xmlns:a16="http://schemas.microsoft.com/office/drawing/2014/main" id="{F7653A5B-DA9F-46D6-970B-0D257143E6AE}"/>
+              </a:ext>
+            </a:extLst>
+          </p:cNvPr>
+          <p:cNvSpPr>
+            <a:spLocks noGrp="1"/>
+          </p:cNvSpPr>
+          <p:nvPr>
+            <p:ph type="dt" sz="half" idx="10"/>
+          </p:nvPr>
+        </p:nvSpPr>
+        <p:spPr>
+          <a:xfrm>
+            <a:off x="550862" y="6507212"/>
+            <a:ext cx="4776147" cy="153888"/>
+          </a:xfrm>
+        </p:spPr>
+        <p:txBody>
+          <a:bodyPr rtlCol="0"/>
+          <a:lstStyle/>
+          <a:p>
+            <a:pPr rtl="0"/>
+            <a:r>
+              <a:rPr lang="pt-PT" sz="1000" dirty="0">
+                <a:latin typeface="+mn-lt"/>
+              </a:rPr>
+              <a:t>PLANEAMENTO E OTIMIZACÂO DE UMA  REDE MOVEL GSM - CENÁRIO URBANO</a:t>
+            </a:r>
+            <a:endParaRPr lang="pt-PT" dirty="0"/>
+          </a:p>
+        </p:txBody>
+      </p:sp>
+      <p:sp>
+        <p:nvSpPr>
+          <p:cNvPr id="28" name="Marcador de Posição do Rodapé 13">
+            <a:extLst>
+              <a:ext uri="{FF2B5EF4-FFF2-40B4-BE49-F238E27FC236}">
+                <a16:creationId xmlns:a16="http://schemas.microsoft.com/office/drawing/2014/main" id="{37B2D340-5E52-441A-8320-84D559BE66FA}"/>
+              </a:ext>
+            </a:extLst>
+          </p:cNvPr>
+          <p:cNvSpPr>
+            <a:spLocks noGrp="1"/>
+          </p:cNvSpPr>
+          <p:nvPr>
+            <p:ph type="ftr" sz="quarter" idx="11"/>
+          </p:nvPr>
+        </p:nvSpPr>
+        <p:spPr>
+          <a:xfrm>
+            <a:off x="9227890" y="6507212"/>
+            <a:ext cx="1912690" cy="153888"/>
+          </a:xfrm>
+        </p:spPr>
+        <p:txBody>
+          <a:bodyPr rtlCol="0"/>
+          <a:lstStyle/>
+          <a:p>
+            <a:pPr rtl="0"/>
+            <a:r>
+              <a:rPr lang="en-US" sz="1000" dirty="0"/>
+              <a:t>COMUNICAÇÕES MÓVEIS</a:t>
+            </a:r>
+          </a:p>
+        </p:txBody>
+      </p:sp>
+      <p:sp>
+        <p:nvSpPr>
+          <p:cNvPr id="34" name="Marcador de Posição de Conteúdo 2">
+            <a:extLst>
+              <a:ext uri="{FF2B5EF4-FFF2-40B4-BE49-F238E27FC236}">
+                <a16:creationId xmlns:a16="http://schemas.microsoft.com/office/drawing/2014/main" id="{253EC179-746A-4899-A265-89BC5CB080E5}"/>
+              </a:ext>
+            </a:extLst>
+          </p:cNvPr>
+          <p:cNvSpPr txBox="1">
+            <a:spLocks/>
+          </p:cNvSpPr>
+          <p:nvPr/>
+        </p:nvSpPr>
+        <p:spPr>
+          <a:xfrm>
+            <a:off x="461463" y="1563808"/>
+            <a:ext cx="4308582" cy="4618878"/>
           </a:xfrm>
           <a:prstGeom prst="rect">
             <a:avLst/>
@@ -14057,6 +16175,264 @@
             </a:lvl9pPr>
           </a:lstStyle>
           <a:p>
+            <a:r>
+              <a:rPr lang="pt-PT" b="1" dirty="0"/>
+              <a:t>Estações base:</a:t>
+            </a:r>
+          </a:p>
+          <a:p>
+            <a:pPr marL="0" indent="0"/>
+            <a:r>
+              <a:rPr lang="pt-PT" dirty="0"/>
+              <a:t>Antenas direcionais</a:t>
+            </a:r>
+          </a:p>
+          <a:p>
+            <a:pPr marL="0" indent="0"/>
+            <a:r>
+              <a:rPr lang="pt-PT" dirty="0"/>
+              <a:t>7 antenas, 7 estações base</a:t>
+            </a:r>
+          </a:p>
+          <a:p>
+            <a:pPr marL="0" indent="0"/>
+            <a:r>
+              <a:rPr lang="pt-PT" dirty="0"/>
+              <a:t>Frequências do espetro GSM diferentes </a:t>
+            </a:r>
+          </a:p>
+          <a:p>
+            <a:pPr marL="0" indent="0"/>
+            <a:r>
+              <a:rPr lang="pt-PT" dirty="0"/>
+              <a:t>Setorização de 60º</a:t>
+            </a:r>
+          </a:p>
+          <a:p>
+            <a:endParaRPr lang="pt-PT" dirty="0"/>
+          </a:p>
+          <a:p>
+            <a:endParaRPr lang="pt-PT" dirty="0"/>
+          </a:p>
+        </p:txBody>
+      </p:sp>
+      <p:sp>
+        <p:nvSpPr>
+          <p:cNvPr id="35" name="Marcador de Posição de Conteúdo 2">
+            <a:extLst>
+              <a:ext uri="{FF2B5EF4-FFF2-40B4-BE49-F238E27FC236}">
+                <a16:creationId xmlns:a16="http://schemas.microsoft.com/office/drawing/2014/main" id="{EEAB2708-A6BE-409B-9840-82CA6544F15B}"/>
+              </a:ext>
+            </a:extLst>
+          </p:cNvPr>
+          <p:cNvSpPr txBox="1">
+            <a:spLocks/>
+          </p:cNvSpPr>
+          <p:nvPr/>
+        </p:nvSpPr>
+        <p:spPr>
+          <a:xfrm>
+            <a:off x="4770045" y="1459937"/>
+            <a:ext cx="4457845" cy="1605711"/>
+          </a:xfrm>
+          <a:prstGeom prst="rect">
+            <a:avLst/>
+          </a:prstGeom>
+        </p:spPr>
+        <p:txBody>
+          <a:bodyPr vert="horz" wrap="square" lIns="0" tIns="0" rIns="0" bIns="0" rtlCol="0" anchor="t" anchorCtr="0">
+            <a:noAutofit/>
+          </a:bodyPr>
+          <a:lstStyle>
+            <a:lvl1pPr marL="228600" indent="-228600" algn="l" defTabSz="914400" rtl="0" eaLnBrk="1" latinLnBrk="0" hangingPunct="1">
+              <a:lnSpc>
+                <a:spcPct val="110000"/>
+              </a:lnSpc>
+              <a:spcBef>
+                <a:spcPts val="1000"/>
+              </a:spcBef>
+              <a:spcAft>
+                <a:spcPts val="800"/>
+              </a:spcAft>
+              <a:buFont typeface="Arial" panose="020B0604020202020204" pitchFamily="34" charset="0"/>
+              <a:buNone/>
+              <a:defRPr sz="2000" kern="1200">
+                <a:solidFill>
+                  <a:schemeClr val="tx1">
+                    <a:alpha val="60000"/>
+                  </a:schemeClr>
+                </a:solidFill>
+                <a:latin typeface="+mn-lt"/>
+                <a:ea typeface="+mn-ea"/>
+                <a:cs typeface="+mn-cs"/>
+              </a:defRPr>
+            </a:lvl1pPr>
+            <a:lvl2pPr marL="685800" indent="-228600" algn="l" defTabSz="914400" rtl="0" eaLnBrk="1" latinLnBrk="0" hangingPunct="1">
+              <a:lnSpc>
+                <a:spcPct val="110000"/>
+              </a:lnSpc>
+              <a:spcBef>
+                <a:spcPts val="500"/>
+              </a:spcBef>
+              <a:spcAft>
+                <a:spcPts val="800"/>
+              </a:spcAft>
+              <a:buFont typeface="Arial" panose="020B0604020202020204" pitchFamily="34" charset="0"/>
+              <a:buChar char="•"/>
+              <a:defRPr sz="1400" kern="1200">
+                <a:solidFill>
+                  <a:schemeClr val="tx1">
+                    <a:alpha val="60000"/>
+                  </a:schemeClr>
+                </a:solidFill>
+                <a:latin typeface="+mn-lt"/>
+                <a:ea typeface="+mn-ea"/>
+                <a:cs typeface="+mn-cs"/>
+              </a:defRPr>
+            </a:lvl2pPr>
+            <a:lvl3pPr marL="1143000" indent="-228600" algn="l" defTabSz="914400" rtl="0" eaLnBrk="1" latinLnBrk="0" hangingPunct="1">
+              <a:lnSpc>
+                <a:spcPct val="110000"/>
+              </a:lnSpc>
+              <a:spcBef>
+                <a:spcPts val="500"/>
+              </a:spcBef>
+              <a:spcAft>
+                <a:spcPts val="800"/>
+              </a:spcAft>
+              <a:buFont typeface="Arial" panose="020B0604020202020204" pitchFamily="34" charset="0"/>
+              <a:buChar char="•"/>
+              <a:defRPr sz="1400" kern="1200">
+                <a:solidFill>
+                  <a:schemeClr val="tx1">
+                    <a:alpha val="60000"/>
+                  </a:schemeClr>
+                </a:solidFill>
+                <a:latin typeface="+mn-lt"/>
+                <a:ea typeface="+mn-ea"/>
+                <a:cs typeface="+mn-cs"/>
+              </a:defRPr>
+            </a:lvl3pPr>
+            <a:lvl4pPr marL="1600200" indent="-228600" algn="l" defTabSz="914400" rtl="0" eaLnBrk="1" latinLnBrk="0" hangingPunct="1">
+              <a:lnSpc>
+                <a:spcPct val="110000"/>
+              </a:lnSpc>
+              <a:spcBef>
+                <a:spcPts val="500"/>
+              </a:spcBef>
+              <a:spcAft>
+                <a:spcPts val="800"/>
+              </a:spcAft>
+              <a:buFont typeface="Arial" panose="020B0604020202020204" pitchFamily="34" charset="0"/>
+              <a:buChar char="•"/>
+              <a:defRPr sz="1400" kern="1200">
+                <a:solidFill>
+                  <a:schemeClr val="tx1">
+                    <a:alpha val="60000"/>
+                  </a:schemeClr>
+                </a:solidFill>
+                <a:latin typeface="+mn-lt"/>
+                <a:ea typeface="+mn-ea"/>
+                <a:cs typeface="+mn-cs"/>
+              </a:defRPr>
+            </a:lvl4pPr>
+            <a:lvl5pPr marL="2057400" indent="-228600" algn="l" defTabSz="914400" rtl="0" eaLnBrk="1" latinLnBrk="0" hangingPunct="1">
+              <a:lnSpc>
+                <a:spcPct val="110000"/>
+              </a:lnSpc>
+              <a:spcBef>
+                <a:spcPts val="500"/>
+              </a:spcBef>
+              <a:spcAft>
+                <a:spcPts val="800"/>
+              </a:spcAft>
+              <a:buFont typeface="Arial" panose="020B0604020202020204" pitchFamily="34" charset="0"/>
+              <a:buChar char="•"/>
+              <a:defRPr sz="1400" kern="1200">
+                <a:solidFill>
+                  <a:schemeClr val="tx1">
+                    <a:alpha val="60000"/>
+                  </a:schemeClr>
+                </a:solidFill>
+                <a:latin typeface="+mn-lt"/>
+                <a:ea typeface="+mn-ea"/>
+                <a:cs typeface="+mn-cs"/>
+              </a:defRPr>
+            </a:lvl5pPr>
+            <a:lvl6pPr marL="2514600" indent="-228600" algn="l" defTabSz="914400" rtl="0" eaLnBrk="1" latinLnBrk="0" hangingPunct="1">
+              <a:lnSpc>
+                <a:spcPct val="90000"/>
+              </a:lnSpc>
+              <a:spcBef>
+                <a:spcPts val="500"/>
+              </a:spcBef>
+              <a:buFont typeface="Arial" panose="020B0604020202020204" pitchFamily="34" charset="0"/>
+              <a:buChar char="•"/>
+              <a:defRPr sz="1800" kern="1200">
+                <a:solidFill>
+                  <a:schemeClr val="tx1"/>
+                </a:solidFill>
+                <a:latin typeface="+mn-lt"/>
+                <a:ea typeface="+mn-ea"/>
+                <a:cs typeface="+mn-cs"/>
+              </a:defRPr>
+            </a:lvl6pPr>
+            <a:lvl7pPr marL="2971800" indent="-228600" algn="l" defTabSz="914400" rtl="0" eaLnBrk="1" latinLnBrk="0" hangingPunct="1">
+              <a:lnSpc>
+                <a:spcPct val="90000"/>
+              </a:lnSpc>
+              <a:spcBef>
+                <a:spcPts val="500"/>
+              </a:spcBef>
+              <a:buFont typeface="Arial" panose="020B0604020202020204" pitchFamily="34" charset="0"/>
+              <a:buChar char="•"/>
+              <a:defRPr sz="1800" kern="1200">
+                <a:solidFill>
+                  <a:schemeClr val="tx1"/>
+                </a:solidFill>
+                <a:latin typeface="+mn-lt"/>
+                <a:ea typeface="+mn-ea"/>
+                <a:cs typeface="+mn-cs"/>
+              </a:defRPr>
+            </a:lvl7pPr>
+            <a:lvl8pPr marL="3429000" indent="-228600" algn="l" defTabSz="914400" rtl="0" eaLnBrk="1" latinLnBrk="0" hangingPunct="1">
+              <a:lnSpc>
+                <a:spcPct val="90000"/>
+              </a:lnSpc>
+              <a:spcBef>
+                <a:spcPts val="500"/>
+              </a:spcBef>
+              <a:buFont typeface="Arial" panose="020B0604020202020204" pitchFamily="34" charset="0"/>
+              <a:buChar char="•"/>
+              <a:defRPr sz="1800" kern="1200">
+                <a:solidFill>
+                  <a:schemeClr val="tx1"/>
+                </a:solidFill>
+                <a:latin typeface="+mn-lt"/>
+                <a:ea typeface="+mn-ea"/>
+                <a:cs typeface="+mn-cs"/>
+              </a:defRPr>
+            </a:lvl8pPr>
+            <a:lvl9pPr marL="3886200" indent="-228600" algn="l" defTabSz="914400" rtl="0" eaLnBrk="1" latinLnBrk="0" hangingPunct="1">
+              <a:lnSpc>
+                <a:spcPct val="90000"/>
+              </a:lnSpc>
+              <a:spcBef>
+                <a:spcPts val="500"/>
+              </a:spcBef>
+              <a:buFont typeface="Arial" panose="020B0604020202020204" pitchFamily="34" charset="0"/>
+              <a:buChar char="•"/>
+              <a:defRPr sz="1800" kern="1200">
+                <a:solidFill>
+                  <a:schemeClr val="tx1"/>
+                </a:solidFill>
+                <a:latin typeface="+mn-lt"/>
+                <a:ea typeface="+mn-ea"/>
+                <a:cs typeface="+mn-cs"/>
+              </a:defRPr>
+            </a:lvl9pPr>
+          </a:lstStyle>
+          <a:p>
             <a:br>
               <a:rPr lang="pt-PT" dirty="0"/>
             </a:br>
@@ -14266,7 +16642,7 @@
 </p:sld>
 </file>
 
-<file path=ppt/slides/slide4.xml><?xml version="1.0" encoding="utf-8"?>
+<file path=ppt/slides/slide7.xml><?xml version="1.0" encoding="utf-8"?>
 <p:sld xmlns:a="http://schemas.openxmlformats.org/drawingml/2006/main" xmlns:r="http://schemas.openxmlformats.org/officeDocument/2006/relationships" xmlns:p="http://schemas.openxmlformats.org/presentationml/2006/main">
   <p:cSld>
     <p:spTree>
@@ -14314,7 +16690,7 @@
               <a:rPr lang="pt-PT" sz="1000" dirty="0">
                 <a:latin typeface="+mn-lt"/>
               </a:rPr>
-              <a:t>PLANEAMENTO E OTIMIZACÂO DE UMA  REDE MOVEL 5G - CENÁRIO URBANO</a:t>
+              <a:t>PLANEAMENTO E OTIMIZACÂO DE UMA  REDE MOVEL GSM - CENÁRIO URBANO</a:t>
             </a:r>
             <a:endParaRPr lang="pt-PT" dirty="0"/>
           </a:p>
@@ -14384,7 +16760,7 @@
             <a:fld id="{DBA1B0FB-D917-4C8C-928F-313BD683BF39}" type="slidenum">
               <a:rPr lang="pt-PT" smtClean="0"/>
               <a:pPr rtl="0"/>
-              <a:t>4</a:t>
+              <a:t>7</a:t>
             </a:fld>
             <a:endParaRPr lang="pt-PT" dirty="0"/>
           </a:p>
@@ -14459,7 +16835,7 @@
           <p:nvPr>
             <p:extLst>
               <p:ext uri="{D42A27DB-BD31-4B8C-83A1-F6EECF244321}">
-                <p14:modId xmlns:p14="http://schemas.microsoft.com/office/powerpoint/2010/main" val="831623953"/>
+                <p14:modId xmlns:p14="http://schemas.microsoft.com/office/powerpoint/2010/main" val="943511048"/>
               </p:ext>
             </p:extLst>
           </p:nvPr>
@@ -14598,7 +16974,7 @@
                     <a:p>
                       <a:r>
                         <a:rPr lang="pt-PT" dirty="0"/>
-                        <a:t>120</a:t>
+                        <a:t>452</a:t>
                       </a:r>
                     </a:p>
                   </a:txBody>
@@ -14859,7 +17235,7 @@
         </p:nvSpPr>
         <p:spPr>
           <a:xfrm>
-            <a:off x="1464782" y="2317432"/>
+            <a:off x="7630690" y="1280332"/>
             <a:ext cx="6096000" cy="369332"/>
           </a:xfrm>
           <a:prstGeom prst="rect">
@@ -14880,6 +17256,42 @@
                 <a:ea typeface="Calibri" panose="020F0502020204030204" pitchFamily="34" charset="0"/>
               </a:rPr>
               <a:t>bloqueio de chamadas de 3%</a:t>
+            </a:r>
+            <a:endParaRPr lang="en-US" dirty="0"/>
+          </a:p>
+        </p:txBody>
+      </p:sp>
+      <p:sp>
+        <p:nvSpPr>
+          <p:cNvPr id="3" name="CaixaDeTexto 2">
+            <a:extLst>
+              <a:ext uri="{FF2B5EF4-FFF2-40B4-BE49-F238E27FC236}">
+                <a16:creationId xmlns:a16="http://schemas.microsoft.com/office/drawing/2014/main" id="{AF66D3D5-B0CE-894B-1363-A554FE606FF9}"/>
+              </a:ext>
+            </a:extLst>
+          </p:cNvPr>
+          <p:cNvSpPr txBox="1"/>
+          <p:nvPr/>
+        </p:nvSpPr>
+        <p:spPr>
+          <a:xfrm>
+            <a:off x="1464782" y="2119515"/>
+            <a:ext cx="2642532" cy="646331"/>
+          </a:xfrm>
+          <a:prstGeom prst="rect">
+            <a:avLst/>
+          </a:prstGeom>
+          <a:noFill/>
+        </p:spPr>
+        <p:txBody>
+          <a:bodyPr wrap="square" rtlCol="0">
+            <a:spAutoFit/>
+          </a:bodyPr>
+          <a:lstStyle/>
+          <a:p>
+            <a:r>
+              <a:rPr lang="pt-PT" dirty="0"/>
+              <a:t>100% utilização= 70% população máxima</a:t>
             </a:r>
             <a:endParaRPr lang="en-US" dirty="0"/>
           </a:p>
@@ -14898,7 +17310,7 @@
 </p:sld>
 </file>
 
-<file path=ppt/slides/slide5.xml><?xml version="1.0" encoding="utf-8"?>
+<file path=ppt/slides/slide8.xml><?xml version="1.0" encoding="utf-8"?>
 <p:sld xmlns:a="http://schemas.openxmlformats.org/drawingml/2006/main" xmlns:r="http://schemas.openxmlformats.org/officeDocument/2006/relationships" xmlns:p="http://schemas.openxmlformats.org/presentationml/2006/main">
   <p:cSld>
     <p:spTree>
@@ -14939,7 +17351,7 @@
             <a:pPr rtl="0"/>
             <a:fld id="{DBA1B0FB-D917-4C8C-928F-313BD683BF39}" type="slidenum">
               <a:rPr lang="pt-PT" smtClean="0"/>
-              <a:t>5</a:t>
+              <a:t>8</a:t>
             </a:fld>
             <a:endParaRPr lang="pt-PT"/>
           </a:p>
@@ -14976,7 +17388,7 @@
               <a:rPr lang="pt-PT" sz="1000" dirty="0">
                 <a:latin typeface="+mn-lt"/>
               </a:rPr>
-              <a:t>PLANEAMENTO E OTIMIZACÂO DE UMA  REDE MOVEL 5G - CENÁRIO URBANO</a:t>
+              <a:t>PLANEAMENTO E OTIMIZACÂO DE UMA  REDE MOVEL GSM - CENÁRIO URBANO</a:t>
             </a:r>
             <a:endParaRPr lang="pt-PT" dirty="0"/>
           </a:p>
@@ -15680,7 +18092,7 @@
 </p:sld>
 </file>
 
-<file path=ppt/slides/slide6.xml><?xml version="1.0" encoding="utf-8"?>
+<file path=ppt/slides/slide9.xml><?xml version="1.0" encoding="utf-8"?>
 <p:sld xmlns:a="http://schemas.openxmlformats.org/drawingml/2006/main" xmlns:r="http://schemas.openxmlformats.org/officeDocument/2006/relationships" xmlns:p="http://schemas.openxmlformats.org/presentationml/2006/main">
   <p:cSld>
     <p:spTree>
@@ -15769,7 +18181,17 @@
               <a:rPr lang="pt-PT" sz="1000" dirty="0">
                 <a:latin typeface="+mn-lt"/>
               </a:rPr>
-              <a:t>PLANEAMENTO E OTIMIZACÂO DE UMA  REDE MOVEL 5G - CENÁRIO URBANO</a:t>
+              <a:t>PLANEAMENTO E OTIMIZACÂO DE UMA  REDE MOVEL </a:t>
+            </a:r>
+            <a:r>
+              <a:rPr lang="pt-PT" dirty="0"/>
+              <a:t>GSM</a:t>
+            </a:r>
+            <a:r>
+              <a:rPr lang="pt-PT" sz="1000" dirty="0">
+                <a:latin typeface="+mn-lt"/>
+              </a:rPr>
+              <a:t> - CENÁRIO URBANO</a:t>
             </a:r>
             <a:endParaRPr lang="pt-PT" dirty="0"/>
           </a:p>
@@ -15839,7 +18261,7 @@
             <a:fld id="{DBA1B0FB-D917-4C8C-928F-313BD683BF39}" type="slidenum">
               <a:rPr lang="pt-PT" smtClean="0"/>
               <a:pPr rtl="0"/>
-              <a:t>6</a:t>
+              <a:t>9</a:t>
             </a:fld>
             <a:endParaRPr lang="pt-PT" dirty="0"/>
           </a:p>
@@ -16225,1291 +18647,6 @@
     <p:extLst>
       <p:ext uri="{BB962C8B-B14F-4D97-AF65-F5344CB8AC3E}">
         <p14:creationId xmlns:p14="http://schemas.microsoft.com/office/powerpoint/2010/main" val="2234400061"/>
-      </p:ext>
-    </p:extLst>
-  </p:cSld>
-  <p:clrMapOvr>
-    <a:masterClrMapping/>
-  </p:clrMapOvr>
-</p:sld>
-</file>
-
-<file path=ppt/slides/slide7.xml><?xml version="1.0" encoding="utf-8"?>
-<p:sld xmlns:a="http://schemas.openxmlformats.org/drawingml/2006/main" xmlns:r="http://schemas.openxmlformats.org/officeDocument/2006/relationships" xmlns:p="http://schemas.openxmlformats.org/presentationml/2006/main">
-  <p:cSld>
-    <p:spTree>
-      <p:nvGrpSpPr>
-        <p:cNvPr id="1" name=""/>
-        <p:cNvGrpSpPr/>
-        <p:nvPr/>
-      </p:nvGrpSpPr>
-      <p:grpSpPr>
-        <a:xfrm>
-          <a:off x="0" y="0"/>
-          <a:ext cx="0" cy="0"/>
-          <a:chOff x="0" y="0"/>
-          <a:chExt cx="0" cy="0"/>
-        </a:xfrm>
-      </p:grpSpPr>
-      <p:sp>
-        <p:nvSpPr>
-          <p:cNvPr id="9" name="Marcador de Posição do Número do Diapositivo 8">
-            <a:extLst>
-              <a:ext uri="{FF2B5EF4-FFF2-40B4-BE49-F238E27FC236}">
-                <a16:creationId xmlns:a16="http://schemas.microsoft.com/office/drawing/2014/main" id="{25AA6841-FF3B-4055-BE83-0BD7C7650B7C}"/>
-              </a:ext>
-            </a:extLst>
-          </p:cNvPr>
-          <p:cNvSpPr>
-            <a:spLocks noGrp="1"/>
-          </p:cNvSpPr>
-          <p:nvPr>
-            <p:ph type="sldNum" sz="quarter" idx="12"/>
-          </p:nvPr>
-        </p:nvSpPr>
-        <p:spPr/>
-        <p:txBody>
-          <a:bodyPr/>
-          <a:lstStyle/>
-          <a:p>
-            <a:pPr rtl="0"/>
-            <a:fld id="{DBA1B0FB-D917-4C8C-928F-313BD683BF39}" type="slidenum">
-              <a:rPr lang="pt-PT" smtClean="0"/>
-              <a:t>7</a:t>
-            </a:fld>
-            <a:endParaRPr lang="pt-PT"/>
-          </a:p>
-        </p:txBody>
-      </p:sp>
-      <p:sp>
-        <p:nvSpPr>
-          <p:cNvPr id="28" name="Marcador de Posição do Rodapé 13">
-            <a:extLst>
-              <a:ext uri="{FF2B5EF4-FFF2-40B4-BE49-F238E27FC236}">
-                <a16:creationId xmlns:a16="http://schemas.microsoft.com/office/drawing/2014/main" id="{37B2D340-5E52-441A-8320-84D559BE66FA}"/>
-              </a:ext>
-            </a:extLst>
-          </p:cNvPr>
-          <p:cNvSpPr>
-            <a:spLocks noGrp="1"/>
-          </p:cNvSpPr>
-          <p:nvPr>
-            <p:ph type="ftr" sz="quarter" idx="11"/>
-          </p:nvPr>
-        </p:nvSpPr>
-        <p:spPr>
-          <a:xfrm>
-            <a:off x="9227890" y="6507212"/>
-            <a:ext cx="1912690" cy="153888"/>
-          </a:xfrm>
-        </p:spPr>
-        <p:txBody>
-          <a:bodyPr rtlCol="0"/>
-          <a:lstStyle/>
-          <a:p>
-            <a:pPr rtl="0"/>
-            <a:r>
-              <a:rPr lang="en-US" sz="1000" dirty="0"/>
-              <a:t>COMUNICAÇÕES MÓVEIS</a:t>
-            </a:r>
-          </a:p>
-        </p:txBody>
-      </p:sp>
-      <p:sp>
-        <p:nvSpPr>
-          <p:cNvPr id="33" name="Título 1">
-            <a:extLst>
-              <a:ext uri="{FF2B5EF4-FFF2-40B4-BE49-F238E27FC236}">
-                <a16:creationId xmlns:a16="http://schemas.microsoft.com/office/drawing/2014/main" id="{AE16C2DC-208A-45FF-9BD5-6873DC54A02A}"/>
-              </a:ext>
-            </a:extLst>
-          </p:cNvPr>
-          <p:cNvSpPr txBox="1">
-            <a:spLocks/>
-          </p:cNvSpPr>
-          <p:nvPr/>
-        </p:nvSpPr>
-        <p:spPr>
-          <a:xfrm>
-            <a:off x="461463" y="785490"/>
-            <a:ext cx="11106955" cy="679508"/>
-          </a:xfrm>
-          <a:prstGeom prst="rect">
-            <a:avLst/>
-          </a:prstGeom>
-        </p:spPr>
-        <p:txBody>
-          <a:bodyPr vert="horz" wrap="square" lIns="0" tIns="0" rIns="0" bIns="0" rtlCol="0" anchor="b" anchorCtr="0">
-            <a:noAutofit/>
-          </a:bodyPr>
-          <a:lstStyle>
-            <a:lvl1pPr algn="l" defTabSz="914400" rtl="0" eaLnBrk="1" latinLnBrk="0" hangingPunct="1">
-              <a:lnSpc>
-                <a:spcPct val="90000"/>
-              </a:lnSpc>
-              <a:spcBef>
-                <a:spcPct val="0"/>
-              </a:spcBef>
-              <a:buNone/>
-              <a:defRPr lang="pt-PT" sz="4800" kern="1200">
-                <a:solidFill>
-                  <a:schemeClr val="tx1"/>
-                </a:solidFill>
-                <a:latin typeface="+mj-lt"/>
-                <a:ea typeface="+mj-ea"/>
-                <a:cs typeface="+mj-cs"/>
-              </a:defRPr>
-            </a:lvl1pPr>
-          </a:lstStyle>
-          <a:p>
-            <a:r>
-              <a:rPr lang="pt-PT" sz="4400" dirty="0"/>
-              <a:t>Comparação modelos de propagação</a:t>
-            </a:r>
-          </a:p>
-        </p:txBody>
-      </p:sp>
-      <p:sp>
-        <p:nvSpPr>
-          <p:cNvPr id="34" name="Marcador de Posição de Conteúdo 2">
-            <a:extLst>
-              <a:ext uri="{FF2B5EF4-FFF2-40B4-BE49-F238E27FC236}">
-                <a16:creationId xmlns:a16="http://schemas.microsoft.com/office/drawing/2014/main" id="{253EC179-746A-4899-A265-89BC5CB080E5}"/>
-              </a:ext>
-            </a:extLst>
-          </p:cNvPr>
-          <p:cNvSpPr txBox="1">
-            <a:spLocks/>
-          </p:cNvSpPr>
-          <p:nvPr/>
-        </p:nvSpPr>
-        <p:spPr>
-          <a:xfrm>
-            <a:off x="461464" y="1459937"/>
-            <a:ext cx="4457845" cy="1666082"/>
-          </a:xfrm>
-          <a:prstGeom prst="rect">
-            <a:avLst/>
-          </a:prstGeom>
-        </p:spPr>
-        <p:txBody>
-          <a:bodyPr vert="horz" wrap="square" lIns="0" tIns="0" rIns="0" bIns="0" rtlCol="0" anchor="t" anchorCtr="0">
-            <a:noAutofit/>
-          </a:bodyPr>
-          <a:lstStyle>
-            <a:lvl1pPr marL="228600" indent="-228600" algn="l" defTabSz="914400" rtl="0" eaLnBrk="1" latinLnBrk="0" hangingPunct="1">
-              <a:lnSpc>
-                <a:spcPct val="110000"/>
-              </a:lnSpc>
-              <a:spcBef>
-                <a:spcPts val="1000"/>
-              </a:spcBef>
-              <a:spcAft>
-                <a:spcPts val="800"/>
-              </a:spcAft>
-              <a:buFont typeface="Arial" panose="020B0604020202020204" pitchFamily="34" charset="0"/>
-              <a:buNone/>
-              <a:defRPr sz="2000" kern="1200">
-                <a:solidFill>
-                  <a:schemeClr val="tx1">
-                    <a:alpha val="60000"/>
-                  </a:schemeClr>
-                </a:solidFill>
-                <a:latin typeface="+mn-lt"/>
-                <a:ea typeface="+mn-ea"/>
-                <a:cs typeface="+mn-cs"/>
-              </a:defRPr>
-            </a:lvl1pPr>
-            <a:lvl2pPr marL="685800" indent="-228600" algn="l" defTabSz="914400" rtl="0" eaLnBrk="1" latinLnBrk="0" hangingPunct="1">
-              <a:lnSpc>
-                <a:spcPct val="110000"/>
-              </a:lnSpc>
-              <a:spcBef>
-                <a:spcPts val="500"/>
-              </a:spcBef>
-              <a:spcAft>
-                <a:spcPts val="800"/>
-              </a:spcAft>
-              <a:buFont typeface="Arial" panose="020B0604020202020204" pitchFamily="34" charset="0"/>
-              <a:buChar char="•"/>
-              <a:defRPr sz="1400" kern="1200">
-                <a:solidFill>
-                  <a:schemeClr val="tx1">
-                    <a:alpha val="60000"/>
-                  </a:schemeClr>
-                </a:solidFill>
-                <a:latin typeface="+mn-lt"/>
-                <a:ea typeface="+mn-ea"/>
-                <a:cs typeface="+mn-cs"/>
-              </a:defRPr>
-            </a:lvl2pPr>
-            <a:lvl3pPr marL="1143000" indent="-228600" algn="l" defTabSz="914400" rtl="0" eaLnBrk="1" latinLnBrk="0" hangingPunct="1">
-              <a:lnSpc>
-                <a:spcPct val="110000"/>
-              </a:lnSpc>
-              <a:spcBef>
-                <a:spcPts val="500"/>
-              </a:spcBef>
-              <a:spcAft>
-                <a:spcPts val="800"/>
-              </a:spcAft>
-              <a:buFont typeface="Arial" panose="020B0604020202020204" pitchFamily="34" charset="0"/>
-              <a:buChar char="•"/>
-              <a:defRPr sz="1400" kern="1200">
-                <a:solidFill>
-                  <a:schemeClr val="tx1">
-                    <a:alpha val="60000"/>
-                  </a:schemeClr>
-                </a:solidFill>
-                <a:latin typeface="+mn-lt"/>
-                <a:ea typeface="+mn-ea"/>
-                <a:cs typeface="+mn-cs"/>
-              </a:defRPr>
-            </a:lvl3pPr>
-            <a:lvl4pPr marL="1600200" indent="-228600" algn="l" defTabSz="914400" rtl="0" eaLnBrk="1" latinLnBrk="0" hangingPunct="1">
-              <a:lnSpc>
-                <a:spcPct val="110000"/>
-              </a:lnSpc>
-              <a:spcBef>
-                <a:spcPts val="500"/>
-              </a:spcBef>
-              <a:spcAft>
-                <a:spcPts val="800"/>
-              </a:spcAft>
-              <a:buFont typeface="Arial" panose="020B0604020202020204" pitchFamily="34" charset="0"/>
-              <a:buChar char="•"/>
-              <a:defRPr sz="1400" kern="1200">
-                <a:solidFill>
-                  <a:schemeClr val="tx1">
-                    <a:alpha val="60000"/>
-                  </a:schemeClr>
-                </a:solidFill>
-                <a:latin typeface="+mn-lt"/>
-                <a:ea typeface="+mn-ea"/>
-                <a:cs typeface="+mn-cs"/>
-              </a:defRPr>
-            </a:lvl4pPr>
-            <a:lvl5pPr marL="2057400" indent="-228600" algn="l" defTabSz="914400" rtl="0" eaLnBrk="1" latinLnBrk="0" hangingPunct="1">
-              <a:lnSpc>
-                <a:spcPct val="110000"/>
-              </a:lnSpc>
-              <a:spcBef>
-                <a:spcPts val="500"/>
-              </a:spcBef>
-              <a:spcAft>
-                <a:spcPts val="800"/>
-              </a:spcAft>
-              <a:buFont typeface="Arial" panose="020B0604020202020204" pitchFamily="34" charset="0"/>
-              <a:buChar char="•"/>
-              <a:defRPr sz="1400" kern="1200">
-                <a:solidFill>
-                  <a:schemeClr val="tx1">
-                    <a:alpha val="60000"/>
-                  </a:schemeClr>
-                </a:solidFill>
-                <a:latin typeface="+mn-lt"/>
-                <a:ea typeface="+mn-ea"/>
-                <a:cs typeface="+mn-cs"/>
-              </a:defRPr>
-            </a:lvl5pPr>
-            <a:lvl6pPr marL="2514600" indent="-228600" algn="l" defTabSz="914400" rtl="0" eaLnBrk="1" latinLnBrk="0" hangingPunct="1">
-              <a:lnSpc>
-                <a:spcPct val="90000"/>
-              </a:lnSpc>
-              <a:spcBef>
-                <a:spcPts val="500"/>
-              </a:spcBef>
-              <a:buFont typeface="Arial" panose="020B0604020202020204" pitchFamily="34" charset="0"/>
-              <a:buChar char="•"/>
-              <a:defRPr sz="1800" kern="1200">
-                <a:solidFill>
-                  <a:schemeClr val="tx1"/>
-                </a:solidFill>
-                <a:latin typeface="+mn-lt"/>
-                <a:ea typeface="+mn-ea"/>
-                <a:cs typeface="+mn-cs"/>
-              </a:defRPr>
-            </a:lvl6pPr>
-            <a:lvl7pPr marL="2971800" indent="-228600" algn="l" defTabSz="914400" rtl="0" eaLnBrk="1" latinLnBrk="0" hangingPunct="1">
-              <a:lnSpc>
-                <a:spcPct val="90000"/>
-              </a:lnSpc>
-              <a:spcBef>
-                <a:spcPts val="500"/>
-              </a:spcBef>
-              <a:buFont typeface="Arial" panose="020B0604020202020204" pitchFamily="34" charset="0"/>
-              <a:buChar char="•"/>
-              <a:defRPr sz="1800" kern="1200">
-                <a:solidFill>
-                  <a:schemeClr val="tx1"/>
-                </a:solidFill>
-                <a:latin typeface="+mn-lt"/>
-                <a:ea typeface="+mn-ea"/>
-                <a:cs typeface="+mn-cs"/>
-              </a:defRPr>
-            </a:lvl7pPr>
-            <a:lvl8pPr marL="3429000" indent="-228600" algn="l" defTabSz="914400" rtl="0" eaLnBrk="1" latinLnBrk="0" hangingPunct="1">
-              <a:lnSpc>
-                <a:spcPct val="90000"/>
-              </a:lnSpc>
-              <a:spcBef>
-                <a:spcPts val="500"/>
-              </a:spcBef>
-              <a:buFont typeface="Arial" panose="020B0604020202020204" pitchFamily="34" charset="0"/>
-              <a:buChar char="•"/>
-              <a:defRPr sz="1800" kern="1200">
-                <a:solidFill>
-                  <a:schemeClr val="tx1"/>
-                </a:solidFill>
-                <a:latin typeface="+mn-lt"/>
-                <a:ea typeface="+mn-ea"/>
-                <a:cs typeface="+mn-cs"/>
-              </a:defRPr>
-            </a:lvl8pPr>
-            <a:lvl9pPr marL="3886200" indent="-228600" algn="l" defTabSz="914400" rtl="0" eaLnBrk="1" latinLnBrk="0" hangingPunct="1">
-              <a:lnSpc>
-                <a:spcPct val="90000"/>
-              </a:lnSpc>
-              <a:spcBef>
-                <a:spcPts val="500"/>
-              </a:spcBef>
-              <a:buFont typeface="Arial" panose="020B0604020202020204" pitchFamily="34" charset="0"/>
-              <a:buChar char="•"/>
-              <a:defRPr sz="1800" kern="1200">
-                <a:solidFill>
-                  <a:schemeClr val="tx1"/>
-                </a:solidFill>
-                <a:latin typeface="+mn-lt"/>
-                <a:ea typeface="+mn-ea"/>
-                <a:cs typeface="+mn-cs"/>
-              </a:defRPr>
-            </a:lvl9pPr>
-          </a:lstStyle>
-          <a:p>
-            <a:br>
-              <a:rPr lang="pt-PT" dirty="0"/>
-            </a:br>
-            <a:r>
-              <a:rPr lang="pt-PT" dirty="0"/>
-              <a:t>       </a:t>
-            </a:r>
-          </a:p>
-          <a:p>
-            <a:endParaRPr lang="pt-PT" dirty="0"/>
-          </a:p>
-        </p:txBody>
-      </p:sp>
-      <p:pic>
-        <p:nvPicPr>
-          <p:cNvPr id="10" name="Imagem 9">
-            <a:extLst>
-              <a:ext uri="{FF2B5EF4-FFF2-40B4-BE49-F238E27FC236}">
-                <a16:creationId xmlns:a16="http://schemas.microsoft.com/office/drawing/2014/main" id="{561F36CE-6B7C-13DF-448C-43CFDD0FC7D5}"/>
-              </a:ext>
-            </a:extLst>
-          </p:cNvPr>
-          <p:cNvPicPr>
-            <a:picLocks noChangeAspect="1"/>
-          </p:cNvPicPr>
-          <p:nvPr/>
-        </p:nvPicPr>
-        <p:blipFill>
-          <a:blip r:embed="rId2">
-            <a:extLst>
-              <a:ext uri="{28A0092B-C50C-407E-A947-70E740481C1C}">
-                <a14:useLocalDpi xmlns:a14="http://schemas.microsoft.com/office/drawing/2010/main" val="0"/>
-              </a:ext>
-            </a:extLst>
-          </a:blip>
-          <a:srcRect/>
-          <a:stretch>
-            <a:fillRect/>
-          </a:stretch>
-        </p:blipFill>
-        <p:spPr bwMode="auto">
-          <a:xfrm>
-            <a:off x="263404" y="2288541"/>
-            <a:ext cx="3723779" cy="2782179"/>
-          </a:xfrm>
-          <a:prstGeom prst="rect">
-            <a:avLst/>
-          </a:prstGeom>
-          <a:noFill/>
-          <a:ln>
-            <a:noFill/>
-          </a:ln>
-        </p:spPr>
-      </p:pic>
-      <p:pic>
-        <p:nvPicPr>
-          <p:cNvPr id="12" name="Imagem 11">
-            <a:extLst>
-              <a:ext uri="{FF2B5EF4-FFF2-40B4-BE49-F238E27FC236}">
-                <a16:creationId xmlns:a16="http://schemas.microsoft.com/office/drawing/2014/main" id="{19285C4C-303A-D51D-C4FE-7FCB07A8FD63}"/>
-              </a:ext>
-            </a:extLst>
-          </p:cNvPr>
-          <p:cNvPicPr>
-            <a:picLocks noChangeAspect="1"/>
-          </p:cNvPicPr>
-          <p:nvPr/>
-        </p:nvPicPr>
-        <p:blipFill>
-          <a:blip r:embed="rId3">
-            <a:extLst>
-              <a:ext uri="{28A0092B-C50C-407E-A947-70E740481C1C}">
-                <a14:useLocalDpi xmlns:a14="http://schemas.microsoft.com/office/drawing/2010/main" val="0"/>
-              </a:ext>
-            </a:extLst>
-          </a:blip>
-          <a:srcRect/>
-          <a:stretch>
-            <a:fillRect/>
-          </a:stretch>
-        </p:blipFill>
-        <p:spPr bwMode="auto">
-          <a:xfrm>
-            <a:off x="8471516" y="2069715"/>
-            <a:ext cx="3457080" cy="2697062"/>
-          </a:xfrm>
-          <a:prstGeom prst="rect">
-            <a:avLst/>
-          </a:prstGeom>
-          <a:noFill/>
-          <a:ln>
-            <a:noFill/>
-          </a:ln>
-        </p:spPr>
-      </p:pic>
-      <p:pic>
-        <p:nvPicPr>
-          <p:cNvPr id="14" name="Imagem 13" descr="Uma imagem com texto&#10;&#10;Descrição gerada automaticamente">
-            <a:extLst>
-              <a:ext uri="{FF2B5EF4-FFF2-40B4-BE49-F238E27FC236}">
-                <a16:creationId xmlns:a16="http://schemas.microsoft.com/office/drawing/2014/main" id="{B1FDB587-026F-AA7C-DF19-378CE9E71FCD}"/>
-              </a:ext>
-            </a:extLst>
-          </p:cNvPr>
-          <p:cNvPicPr>
-            <a:picLocks noChangeAspect="1"/>
-          </p:cNvPicPr>
-          <p:nvPr/>
-        </p:nvPicPr>
-        <p:blipFill>
-          <a:blip r:embed="rId4">
-            <a:extLst>
-              <a:ext uri="{28A0092B-C50C-407E-A947-70E740481C1C}">
-                <a14:useLocalDpi xmlns:a14="http://schemas.microsoft.com/office/drawing/2010/main" val="0"/>
-              </a:ext>
-            </a:extLst>
-          </a:blip>
-          <a:srcRect/>
-          <a:stretch>
-            <a:fillRect/>
-          </a:stretch>
-        </p:blipFill>
-        <p:spPr bwMode="auto">
-          <a:xfrm>
-            <a:off x="8504781" y="5070720"/>
-            <a:ext cx="3390549" cy="1094304"/>
-          </a:xfrm>
-          <a:prstGeom prst="rect">
-            <a:avLst/>
-          </a:prstGeom>
-          <a:noFill/>
-          <a:ln>
-            <a:noFill/>
-          </a:ln>
-        </p:spPr>
-      </p:pic>
-      <p:pic>
-        <p:nvPicPr>
-          <p:cNvPr id="15" name="Imagem 14" descr="Uma imagem com texto&#10;&#10;Descrição gerada automaticamente">
-            <a:extLst>
-              <a:ext uri="{FF2B5EF4-FFF2-40B4-BE49-F238E27FC236}">
-                <a16:creationId xmlns:a16="http://schemas.microsoft.com/office/drawing/2014/main" id="{683DC606-BAD2-50A3-6E5A-153912D6DE67}"/>
-              </a:ext>
-            </a:extLst>
-          </p:cNvPr>
-          <p:cNvPicPr>
-            <a:picLocks noChangeAspect="1"/>
-          </p:cNvPicPr>
-          <p:nvPr/>
-        </p:nvPicPr>
-        <p:blipFill>
-          <a:blip r:embed="rId5">
-            <a:extLst>
-              <a:ext uri="{28A0092B-C50C-407E-A947-70E740481C1C}">
-                <a14:useLocalDpi xmlns:a14="http://schemas.microsoft.com/office/drawing/2010/main" val="0"/>
-              </a:ext>
-            </a:extLst>
-          </a:blip>
-          <a:srcRect/>
-          <a:stretch>
-            <a:fillRect/>
-          </a:stretch>
-        </p:blipFill>
-        <p:spPr bwMode="auto">
-          <a:xfrm>
-            <a:off x="263403" y="5230091"/>
-            <a:ext cx="3876797" cy="1139271"/>
-          </a:xfrm>
-          <a:prstGeom prst="rect">
-            <a:avLst/>
-          </a:prstGeom>
-          <a:noFill/>
-          <a:ln>
-            <a:noFill/>
-          </a:ln>
-        </p:spPr>
-      </p:pic>
-      <p:pic>
-        <p:nvPicPr>
-          <p:cNvPr id="16" name="Imagem 15" descr="Uma imagem com mapa&#10;&#10;Descrição gerada automaticamente">
-            <a:extLst>
-              <a:ext uri="{FF2B5EF4-FFF2-40B4-BE49-F238E27FC236}">
-                <a16:creationId xmlns:a16="http://schemas.microsoft.com/office/drawing/2014/main" id="{719FD758-5A3B-2601-F6DB-07496036BD32}"/>
-              </a:ext>
-            </a:extLst>
-          </p:cNvPr>
-          <p:cNvPicPr>
-            <a:picLocks noChangeAspect="1"/>
-          </p:cNvPicPr>
-          <p:nvPr/>
-        </p:nvPicPr>
-        <p:blipFill>
-          <a:blip r:embed="rId6" cstate="print">
-            <a:extLst>
-              <a:ext uri="{28A0092B-C50C-407E-A947-70E740481C1C}">
-                <a14:useLocalDpi xmlns:a14="http://schemas.microsoft.com/office/drawing/2010/main" val="0"/>
-              </a:ext>
-            </a:extLst>
-          </a:blip>
-          <a:srcRect/>
-          <a:stretch>
-            <a:fillRect/>
-          </a:stretch>
-        </p:blipFill>
-        <p:spPr bwMode="auto">
-          <a:xfrm>
-            <a:off x="4164791" y="1911506"/>
-            <a:ext cx="4248869" cy="3536247"/>
-          </a:xfrm>
-          <a:prstGeom prst="rect">
-            <a:avLst/>
-          </a:prstGeom>
-          <a:noFill/>
-          <a:ln>
-            <a:noFill/>
-          </a:ln>
-        </p:spPr>
-      </p:pic>
-      <p:sp>
-        <p:nvSpPr>
-          <p:cNvPr id="17" name="Marcador de Posição da Data 12">
-            <a:extLst>
-              <a:ext uri="{FF2B5EF4-FFF2-40B4-BE49-F238E27FC236}">
-                <a16:creationId xmlns:a16="http://schemas.microsoft.com/office/drawing/2014/main" id="{C932F45A-ACBC-540E-681A-648A311F5E74}"/>
-              </a:ext>
-            </a:extLst>
-          </p:cNvPr>
-          <p:cNvSpPr txBox="1">
-            <a:spLocks/>
-          </p:cNvSpPr>
-          <p:nvPr/>
-        </p:nvSpPr>
-        <p:spPr>
-          <a:xfrm>
-            <a:off x="302312" y="6615856"/>
-            <a:ext cx="4776147" cy="153888"/>
-          </a:xfrm>
-          <a:prstGeom prst="rect">
-            <a:avLst/>
-          </a:prstGeom>
-        </p:spPr>
-        <p:txBody>
-          <a:bodyPr vert="horz" wrap="square" lIns="0" tIns="0" rIns="0" bIns="0" rtlCol="0" anchor="ctr">
-            <a:noAutofit/>
-          </a:bodyPr>
-          <a:lstStyle>
-            <a:defPPr rtl="0">
-              <a:defRPr lang="pt-PT"/>
-            </a:defPPr>
-            <a:lvl1pPr marL="0" algn="l" defTabSz="914400" rtl="0" eaLnBrk="1" latinLnBrk="0" hangingPunct="1">
-              <a:defRPr sz="1000" kern="1200">
-                <a:solidFill>
-                  <a:schemeClr val="tx1">
-                    <a:lumMod val="65000"/>
-                    <a:alpha val="80000"/>
-                  </a:schemeClr>
-                </a:solidFill>
-                <a:latin typeface="+mn-lt"/>
-                <a:ea typeface="+mn-ea"/>
-                <a:cs typeface="+mn-cs"/>
-              </a:defRPr>
-            </a:lvl1pPr>
-            <a:lvl2pPr marL="457200" algn="l" defTabSz="914400" rtl="0" eaLnBrk="1" latinLnBrk="0" hangingPunct="1">
-              <a:defRPr sz="1800" kern="1200">
-                <a:solidFill>
-                  <a:schemeClr val="tx1"/>
-                </a:solidFill>
-                <a:latin typeface="+mn-lt"/>
-                <a:ea typeface="+mn-ea"/>
-                <a:cs typeface="+mn-cs"/>
-              </a:defRPr>
-            </a:lvl2pPr>
-            <a:lvl3pPr marL="914400" algn="l" defTabSz="914400" rtl="0" eaLnBrk="1" latinLnBrk="0" hangingPunct="1">
-              <a:defRPr sz="1800" kern="1200">
-                <a:solidFill>
-                  <a:schemeClr val="tx1"/>
-                </a:solidFill>
-                <a:latin typeface="+mn-lt"/>
-                <a:ea typeface="+mn-ea"/>
-                <a:cs typeface="+mn-cs"/>
-              </a:defRPr>
-            </a:lvl3pPr>
-            <a:lvl4pPr marL="1371600" algn="l" defTabSz="914400" rtl="0" eaLnBrk="1" latinLnBrk="0" hangingPunct="1">
-              <a:defRPr sz="1800" kern="1200">
-                <a:solidFill>
-                  <a:schemeClr val="tx1"/>
-                </a:solidFill>
-                <a:latin typeface="+mn-lt"/>
-                <a:ea typeface="+mn-ea"/>
-                <a:cs typeface="+mn-cs"/>
-              </a:defRPr>
-            </a:lvl4pPr>
-            <a:lvl5pPr marL="1828800" algn="l" defTabSz="914400" rtl="0" eaLnBrk="1" latinLnBrk="0" hangingPunct="1">
-              <a:defRPr sz="1800" kern="1200">
-                <a:solidFill>
-                  <a:schemeClr val="tx1"/>
-                </a:solidFill>
-                <a:latin typeface="+mn-lt"/>
-                <a:ea typeface="+mn-ea"/>
-                <a:cs typeface="+mn-cs"/>
-              </a:defRPr>
-            </a:lvl5pPr>
-            <a:lvl6pPr marL="2286000" algn="l" defTabSz="914400" rtl="0" eaLnBrk="1" latinLnBrk="0" hangingPunct="1">
-              <a:defRPr sz="1800" kern="1200">
-                <a:solidFill>
-                  <a:schemeClr val="tx1"/>
-                </a:solidFill>
-                <a:latin typeface="+mn-lt"/>
-                <a:ea typeface="+mn-ea"/>
-                <a:cs typeface="+mn-cs"/>
-              </a:defRPr>
-            </a:lvl6pPr>
-            <a:lvl7pPr marL="2743200" algn="l" defTabSz="914400" rtl="0" eaLnBrk="1" latinLnBrk="0" hangingPunct="1">
-              <a:defRPr sz="1800" kern="1200">
-                <a:solidFill>
-                  <a:schemeClr val="tx1"/>
-                </a:solidFill>
-                <a:latin typeface="+mn-lt"/>
-                <a:ea typeface="+mn-ea"/>
-                <a:cs typeface="+mn-cs"/>
-              </a:defRPr>
-            </a:lvl7pPr>
-            <a:lvl8pPr marL="3200400" algn="l" defTabSz="914400" rtl="0" eaLnBrk="1" latinLnBrk="0" hangingPunct="1">
-              <a:defRPr sz="1800" kern="1200">
-                <a:solidFill>
-                  <a:schemeClr val="tx1"/>
-                </a:solidFill>
-                <a:latin typeface="+mn-lt"/>
-                <a:ea typeface="+mn-ea"/>
-                <a:cs typeface="+mn-cs"/>
-              </a:defRPr>
-            </a:lvl8pPr>
-            <a:lvl9pPr marL="3657600" algn="l" defTabSz="914400" rtl="0" eaLnBrk="1" latinLnBrk="0" hangingPunct="1">
-              <a:defRPr sz="1800" kern="1200">
-                <a:solidFill>
-                  <a:schemeClr val="tx1"/>
-                </a:solidFill>
-                <a:latin typeface="+mn-lt"/>
-                <a:ea typeface="+mn-ea"/>
-                <a:cs typeface="+mn-cs"/>
-              </a:defRPr>
-            </a:lvl9pPr>
-          </a:lstStyle>
-          <a:p>
-            <a:r>
-              <a:rPr lang="pt-PT" dirty="0"/>
-              <a:t>PLANEAMENTO E OTIMIZACÂO DE UMA  REDE MOVEL GSM - CENÁRIO URBANO</a:t>
-            </a:r>
-          </a:p>
-        </p:txBody>
-      </p:sp>
-    </p:spTree>
-    <p:extLst>
-      <p:ext uri="{BB962C8B-B14F-4D97-AF65-F5344CB8AC3E}">
-        <p14:creationId xmlns:p14="http://schemas.microsoft.com/office/powerpoint/2010/main" val="1616159130"/>
-      </p:ext>
-    </p:extLst>
-  </p:cSld>
-  <p:clrMapOvr>
-    <a:masterClrMapping/>
-  </p:clrMapOvr>
-</p:sld>
-</file>
-
-<file path=ppt/slides/slide8.xml><?xml version="1.0" encoding="utf-8"?>
-<p:sld xmlns:a="http://schemas.openxmlformats.org/drawingml/2006/main" xmlns:r="http://schemas.openxmlformats.org/officeDocument/2006/relationships" xmlns:p="http://schemas.openxmlformats.org/presentationml/2006/main">
-  <p:cSld>
-    <p:spTree>
-      <p:nvGrpSpPr>
-        <p:cNvPr id="1" name=""/>
-        <p:cNvGrpSpPr/>
-        <p:nvPr/>
-      </p:nvGrpSpPr>
-      <p:grpSpPr>
-        <a:xfrm>
-          <a:off x="0" y="0"/>
-          <a:ext cx="0" cy="0"/>
-          <a:chOff x="0" y="0"/>
-          <a:chExt cx="0" cy="0"/>
-        </a:xfrm>
-      </p:grpSpPr>
-      <p:sp>
-        <p:nvSpPr>
-          <p:cNvPr id="22" name="Título 21">
-            <a:extLst>
-              <a:ext uri="{FF2B5EF4-FFF2-40B4-BE49-F238E27FC236}">
-                <a16:creationId xmlns:a16="http://schemas.microsoft.com/office/drawing/2014/main" id="{F8FAEED9-1ECD-45F9-87A0-9394BAEABB79}"/>
-              </a:ext>
-            </a:extLst>
-          </p:cNvPr>
-          <p:cNvSpPr>
-            <a:spLocks noGrp="1"/>
-          </p:cNvSpPr>
-          <p:nvPr>
-            <p:ph type="ctrTitle"/>
-          </p:nvPr>
-        </p:nvSpPr>
-        <p:spPr>
-          <a:xfrm>
-            <a:off x="550863" y="549275"/>
-            <a:ext cx="5437187" cy="2986234"/>
-          </a:xfrm>
-        </p:spPr>
-        <p:txBody>
-          <a:bodyPr rtlCol="0"/>
-          <a:lstStyle/>
-          <a:p>
-            <a:pPr rtl="0"/>
-            <a:r>
-              <a:rPr lang="pt-PT" dirty="0"/>
-              <a:t>Obrigado</a:t>
-            </a:r>
-          </a:p>
-        </p:txBody>
-      </p:sp>
-      <p:pic>
-        <p:nvPicPr>
-          <p:cNvPr id="33" name="Marcador de Posição da Imagem 32" descr="Fundo Digital com Pontos de Dados">
-            <a:extLst>
-              <a:ext uri="{FF2B5EF4-FFF2-40B4-BE49-F238E27FC236}">
-                <a16:creationId xmlns:a16="http://schemas.microsoft.com/office/drawing/2014/main" id="{48106962-23C6-4DFE-BB3A-E5FFF03F38CE}"/>
-              </a:ext>
-            </a:extLst>
-          </p:cNvPr>
-          <p:cNvPicPr>
-            <a:picLocks noGrp="1" noChangeAspect="1"/>
-          </p:cNvPicPr>
-          <p:nvPr>
-            <p:ph type="pic" sz="quarter" idx="16"/>
-          </p:nvPr>
-        </p:nvPicPr>
-        <p:blipFill rotWithShape="1">
-          <a:blip r:embed="rId2" cstate="screen">
-            <a:extLst>
-              <a:ext uri="{28A0092B-C50C-407E-A947-70E740481C1C}">
-                <a14:useLocalDpi xmlns:a14="http://schemas.microsoft.com/office/drawing/2010/main" val="0"/>
-              </a:ext>
-            </a:extLst>
-          </a:blip>
-          <a:srcRect/>
-          <a:stretch/>
-        </p:blipFill>
-        <p:spPr>
-          <a:xfrm>
-            <a:off x="5988050" y="688229"/>
-            <a:ext cx="5709291" cy="3234581"/>
-          </a:xfrm>
-        </p:spPr>
-      </p:pic>
-      <p:sp>
-        <p:nvSpPr>
-          <p:cNvPr id="6" name="Marcador de Posição do Número do Diapositivo 5">
-            <a:extLst>
-              <a:ext uri="{FF2B5EF4-FFF2-40B4-BE49-F238E27FC236}">
-                <a16:creationId xmlns:a16="http://schemas.microsoft.com/office/drawing/2014/main" id="{36E60F23-FB58-4EF8-82FD-E86CED25FDD4}"/>
-              </a:ext>
-            </a:extLst>
-          </p:cNvPr>
-          <p:cNvSpPr>
-            <a:spLocks noGrp="1"/>
-          </p:cNvSpPr>
-          <p:nvPr>
-            <p:ph type="sldNum" sz="quarter" idx="12"/>
-          </p:nvPr>
-        </p:nvSpPr>
-        <p:spPr>
-          <a:xfrm>
-            <a:off x="9948863" y="6507212"/>
-            <a:ext cx="1692274" cy="153888"/>
-          </a:xfrm>
-        </p:spPr>
-        <p:txBody>
-          <a:bodyPr rtlCol="0"/>
-          <a:lstStyle/>
-          <a:p>
-            <a:pPr rtl="0"/>
-            <a:fld id="{DBA1B0FB-D917-4C8C-928F-313BD683BF39}" type="slidenum">
-              <a:rPr lang="pt-PT" smtClean="0"/>
-              <a:pPr rtl="0"/>
-              <a:t>8</a:t>
-            </a:fld>
-            <a:endParaRPr lang="pt-PT"/>
-          </a:p>
-        </p:txBody>
-      </p:sp>
-      <p:sp>
-        <p:nvSpPr>
-          <p:cNvPr id="11" name="Subtítulo 2">
-            <a:extLst>
-              <a:ext uri="{FF2B5EF4-FFF2-40B4-BE49-F238E27FC236}">
-                <a16:creationId xmlns:a16="http://schemas.microsoft.com/office/drawing/2014/main" id="{6FFFD2FC-E734-4575-896F-A76D9D773944}"/>
-              </a:ext>
-            </a:extLst>
-          </p:cNvPr>
-          <p:cNvSpPr txBox="1">
-            <a:spLocks/>
-          </p:cNvSpPr>
-          <p:nvPr/>
-        </p:nvSpPr>
-        <p:spPr>
-          <a:xfrm>
-            <a:off x="643142" y="3574259"/>
-            <a:ext cx="4683867" cy="2064541"/>
-          </a:xfrm>
-          <a:prstGeom prst="rect">
-            <a:avLst/>
-          </a:prstGeom>
-        </p:spPr>
-        <p:txBody>
-          <a:bodyPr vert="horz" wrap="square" lIns="0" tIns="0" rIns="0" bIns="0" rtlCol="0">
-            <a:normAutofit fontScale="85000" lnSpcReduction="20000"/>
-          </a:bodyPr>
-          <a:lstStyle>
-            <a:lvl1pPr marL="228600" indent="-228600" algn="l" defTabSz="914400" rtl="0" eaLnBrk="1" latinLnBrk="0" hangingPunct="1">
-              <a:lnSpc>
-                <a:spcPct val="110000"/>
-              </a:lnSpc>
-              <a:spcBef>
-                <a:spcPts val="1000"/>
-              </a:spcBef>
-              <a:spcAft>
-                <a:spcPts val="800"/>
-              </a:spcAft>
-              <a:buFont typeface="Arial" panose="020B0604020202020204" pitchFamily="34" charset="0"/>
-              <a:buNone/>
-              <a:defRPr sz="2000" kern="1200">
-                <a:solidFill>
-                  <a:schemeClr val="tx1">
-                    <a:alpha val="60000"/>
-                  </a:schemeClr>
-                </a:solidFill>
-                <a:latin typeface="+mn-lt"/>
-                <a:ea typeface="+mn-ea"/>
-                <a:cs typeface="+mn-cs"/>
-              </a:defRPr>
-            </a:lvl1pPr>
-            <a:lvl2pPr marL="685800" indent="-228600" algn="l" defTabSz="914400" rtl="0" eaLnBrk="1" latinLnBrk="0" hangingPunct="1">
-              <a:lnSpc>
-                <a:spcPct val="110000"/>
-              </a:lnSpc>
-              <a:spcBef>
-                <a:spcPts val="500"/>
-              </a:spcBef>
-              <a:spcAft>
-                <a:spcPts val="800"/>
-              </a:spcAft>
-              <a:buFont typeface="Arial" panose="020B0604020202020204" pitchFamily="34" charset="0"/>
-              <a:buNone/>
-              <a:defRPr sz="2000" kern="1200">
-                <a:solidFill>
-                  <a:schemeClr val="tx1">
-                    <a:alpha val="60000"/>
-                  </a:schemeClr>
-                </a:solidFill>
-                <a:latin typeface="+mn-lt"/>
-                <a:ea typeface="+mn-ea"/>
-                <a:cs typeface="+mn-cs"/>
-              </a:defRPr>
-            </a:lvl2pPr>
-            <a:lvl3pPr marL="1143000" indent="-228600" algn="l" defTabSz="914400" rtl="0" eaLnBrk="1" latinLnBrk="0" hangingPunct="1">
-              <a:lnSpc>
-                <a:spcPct val="110000"/>
-              </a:lnSpc>
-              <a:spcBef>
-                <a:spcPts val="500"/>
-              </a:spcBef>
-              <a:spcAft>
-                <a:spcPts val="800"/>
-              </a:spcAft>
-              <a:buFont typeface="Arial" panose="020B0604020202020204" pitchFamily="34" charset="0"/>
-              <a:buNone/>
-              <a:defRPr sz="2000" kern="1200">
-                <a:solidFill>
-                  <a:schemeClr val="tx1">
-                    <a:alpha val="60000"/>
-                  </a:schemeClr>
-                </a:solidFill>
-                <a:latin typeface="+mn-lt"/>
-                <a:ea typeface="+mn-ea"/>
-                <a:cs typeface="+mn-cs"/>
-              </a:defRPr>
-            </a:lvl3pPr>
-            <a:lvl4pPr marL="1600200" indent="-228600" algn="l" defTabSz="914400" rtl="0" eaLnBrk="1" latinLnBrk="0" hangingPunct="1">
-              <a:lnSpc>
-                <a:spcPct val="110000"/>
-              </a:lnSpc>
-              <a:spcBef>
-                <a:spcPts val="500"/>
-              </a:spcBef>
-              <a:spcAft>
-                <a:spcPts val="800"/>
-              </a:spcAft>
-              <a:buFont typeface="Arial" panose="020B0604020202020204" pitchFamily="34" charset="0"/>
-              <a:buNone/>
-              <a:defRPr sz="2000" kern="1200">
-                <a:solidFill>
-                  <a:schemeClr val="tx1">
-                    <a:alpha val="60000"/>
-                  </a:schemeClr>
-                </a:solidFill>
-                <a:latin typeface="+mn-lt"/>
-                <a:ea typeface="+mn-ea"/>
-                <a:cs typeface="+mn-cs"/>
-              </a:defRPr>
-            </a:lvl4pPr>
-            <a:lvl5pPr marL="2057400" indent="-228600" algn="l" defTabSz="914400" rtl="0" eaLnBrk="1" latinLnBrk="0" hangingPunct="1">
-              <a:lnSpc>
-                <a:spcPct val="110000"/>
-              </a:lnSpc>
-              <a:spcBef>
-                <a:spcPts val="500"/>
-              </a:spcBef>
-              <a:spcAft>
-                <a:spcPts val="800"/>
-              </a:spcAft>
-              <a:buFont typeface="Arial" panose="020B0604020202020204" pitchFamily="34" charset="0"/>
-              <a:buNone/>
-              <a:defRPr sz="2000" kern="1200">
-                <a:solidFill>
-                  <a:schemeClr val="tx1">
-                    <a:alpha val="60000"/>
-                  </a:schemeClr>
-                </a:solidFill>
-                <a:latin typeface="+mn-lt"/>
-                <a:ea typeface="+mn-ea"/>
-                <a:cs typeface="+mn-cs"/>
-              </a:defRPr>
-            </a:lvl5pPr>
-            <a:lvl6pPr marL="2514600" indent="-228600" algn="l" defTabSz="914400" rtl="0" eaLnBrk="1" latinLnBrk="0" hangingPunct="1">
-              <a:lnSpc>
-                <a:spcPct val="90000"/>
-              </a:lnSpc>
-              <a:spcBef>
-                <a:spcPts val="500"/>
-              </a:spcBef>
-              <a:buFont typeface="Arial" panose="020B0604020202020204" pitchFamily="34" charset="0"/>
-              <a:buChar char="•"/>
-              <a:defRPr sz="1800" kern="1200">
-                <a:solidFill>
-                  <a:schemeClr val="tx1"/>
-                </a:solidFill>
-                <a:latin typeface="+mn-lt"/>
-                <a:ea typeface="+mn-ea"/>
-                <a:cs typeface="+mn-cs"/>
-              </a:defRPr>
-            </a:lvl6pPr>
-            <a:lvl7pPr marL="2971800" indent="-228600" algn="l" defTabSz="914400" rtl="0" eaLnBrk="1" latinLnBrk="0" hangingPunct="1">
-              <a:lnSpc>
-                <a:spcPct val="90000"/>
-              </a:lnSpc>
-              <a:spcBef>
-                <a:spcPts val="500"/>
-              </a:spcBef>
-              <a:buFont typeface="Arial" panose="020B0604020202020204" pitchFamily="34" charset="0"/>
-              <a:buChar char="•"/>
-              <a:defRPr sz="1800" kern="1200">
-                <a:solidFill>
-                  <a:schemeClr val="tx1"/>
-                </a:solidFill>
-                <a:latin typeface="+mn-lt"/>
-                <a:ea typeface="+mn-ea"/>
-                <a:cs typeface="+mn-cs"/>
-              </a:defRPr>
-            </a:lvl7pPr>
-            <a:lvl8pPr marL="3429000" indent="-228600" algn="l" defTabSz="914400" rtl="0" eaLnBrk="1" latinLnBrk="0" hangingPunct="1">
-              <a:lnSpc>
-                <a:spcPct val="90000"/>
-              </a:lnSpc>
-              <a:spcBef>
-                <a:spcPts val="500"/>
-              </a:spcBef>
-              <a:buFont typeface="Arial" panose="020B0604020202020204" pitchFamily="34" charset="0"/>
-              <a:buChar char="•"/>
-              <a:defRPr sz="1800" kern="1200">
-                <a:solidFill>
-                  <a:schemeClr val="tx1"/>
-                </a:solidFill>
-                <a:latin typeface="+mn-lt"/>
-                <a:ea typeface="+mn-ea"/>
-                <a:cs typeface="+mn-cs"/>
-              </a:defRPr>
-            </a:lvl8pPr>
-            <a:lvl9pPr marL="3886200" indent="-228600" algn="l" defTabSz="914400" rtl="0" eaLnBrk="1" latinLnBrk="0" hangingPunct="1">
-              <a:lnSpc>
-                <a:spcPct val="90000"/>
-              </a:lnSpc>
-              <a:spcBef>
-                <a:spcPts val="500"/>
-              </a:spcBef>
-              <a:buFont typeface="Arial" panose="020B0604020202020204" pitchFamily="34" charset="0"/>
-              <a:buChar char="•"/>
-              <a:defRPr sz="1800" kern="1200">
-                <a:solidFill>
-                  <a:schemeClr val="tx1"/>
-                </a:solidFill>
-                <a:latin typeface="+mn-lt"/>
-                <a:ea typeface="+mn-ea"/>
-                <a:cs typeface="+mn-cs"/>
-              </a:defRPr>
-            </a:lvl9pPr>
-          </a:lstStyle>
-          <a:p>
-            <a:pPr>
-              <a:spcBef>
-                <a:spcPts val="0"/>
-              </a:spcBef>
-              <a:spcAft>
-                <a:spcPts val="0"/>
-              </a:spcAft>
-            </a:pPr>
-            <a:endParaRPr lang="en-US" b="1" dirty="0"/>
-          </a:p>
-          <a:p>
-            <a:pPr>
-              <a:spcBef>
-                <a:spcPts val="0"/>
-              </a:spcBef>
-              <a:spcAft>
-                <a:spcPts val="0"/>
-              </a:spcAft>
-            </a:pPr>
-            <a:r>
-              <a:rPr lang="en-US" sz="2000" b="1" dirty="0" err="1"/>
-              <a:t>Professores</a:t>
-            </a:r>
-            <a:r>
-              <a:rPr lang="en-US" sz="2000" b="1" dirty="0"/>
-              <a:t>: </a:t>
-            </a:r>
-          </a:p>
-          <a:p>
-            <a:pPr>
-              <a:spcBef>
-                <a:spcPts val="0"/>
-              </a:spcBef>
-              <a:spcAft>
-                <a:spcPts val="0"/>
-              </a:spcAft>
-            </a:pPr>
-            <a:r>
-              <a:rPr lang="en-US" sz="2000" dirty="0"/>
-              <a:t>João Reis</a:t>
-            </a:r>
-          </a:p>
-          <a:p>
-            <a:pPr>
-              <a:spcBef>
-                <a:spcPts val="0"/>
-              </a:spcBef>
-              <a:spcAft>
-                <a:spcPts val="0"/>
-              </a:spcAft>
-            </a:pPr>
-            <a:r>
-              <a:rPr lang="en-US" sz="2000" dirty="0"/>
-              <a:t>Rafael </a:t>
-            </a:r>
-            <a:r>
-              <a:rPr lang="en-US" sz="2000" dirty="0" err="1"/>
-              <a:t>Caldeirinha</a:t>
-            </a:r>
-            <a:endParaRPr lang="en-US" sz="2000" dirty="0"/>
-          </a:p>
-          <a:p>
-            <a:pPr>
-              <a:spcBef>
-                <a:spcPts val="0"/>
-              </a:spcBef>
-              <a:spcAft>
-                <a:spcPts val="0"/>
-              </a:spcAft>
-            </a:pPr>
-            <a:endParaRPr lang="en-US" sz="2000" dirty="0"/>
-          </a:p>
-          <a:p>
-            <a:pPr>
-              <a:spcBef>
-                <a:spcPts val="0"/>
-              </a:spcBef>
-              <a:spcAft>
-                <a:spcPts val="0"/>
-              </a:spcAft>
-            </a:pPr>
-            <a:endParaRPr lang="pt-PT" dirty="0"/>
-          </a:p>
-          <a:p>
-            <a:pPr>
-              <a:spcBef>
-                <a:spcPts val="0"/>
-              </a:spcBef>
-              <a:spcAft>
-                <a:spcPts val="0"/>
-              </a:spcAft>
-            </a:pPr>
-            <a:r>
-              <a:rPr lang="en-US" b="1" dirty="0" err="1"/>
-              <a:t>Autores</a:t>
-            </a:r>
-            <a:r>
-              <a:rPr lang="en-US" b="1" dirty="0"/>
-              <a:t>:  </a:t>
-            </a:r>
-          </a:p>
-          <a:p>
-            <a:pPr>
-              <a:spcBef>
-                <a:spcPts val="0"/>
-              </a:spcBef>
-              <a:spcAft>
-                <a:spcPts val="0"/>
-              </a:spcAft>
-            </a:pPr>
-            <a:r>
-              <a:rPr lang="en-US" dirty="0"/>
-              <a:t>Rafael Ferreira 2172044</a:t>
-            </a:r>
-          </a:p>
-        </p:txBody>
-      </p:sp>
-      <p:sp>
-        <p:nvSpPr>
-          <p:cNvPr id="12" name="Marcador de Posição da Data 12">
-            <a:extLst>
-              <a:ext uri="{FF2B5EF4-FFF2-40B4-BE49-F238E27FC236}">
-                <a16:creationId xmlns:a16="http://schemas.microsoft.com/office/drawing/2014/main" id="{6879E224-1F10-43CF-9413-83FD3AEBB001}"/>
-              </a:ext>
-            </a:extLst>
-          </p:cNvPr>
-          <p:cNvSpPr>
-            <a:spLocks noGrp="1"/>
-          </p:cNvSpPr>
-          <p:nvPr>
-            <p:ph type="dt" sz="half" idx="10"/>
-          </p:nvPr>
-        </p:nvSpPr>
-        <p:spPr>
-          <a:xfrm>
-            <a:off x="550862" y="6507212"/>
-            <a:ext cx="4776147" cy="153888"/>
-          </a:xfrm>
-        </p:spPr>
-        <p:txBody>
-          <a:bodyPr rtlCol="0"/>
-          <a:lstStyle/>
-          <a:p>
-            <a:pPr rtl="0"/>
-            <a:r>
-              <a:rPr lang="pt-PT" sz="1000" dirty="0">
-                <a:latin typeface="+mn-lt"/>
-              </a:rPr>
-              <a:t>PLANEAMENTO E OTIMIZACÂO DE UMA  REDE MOVEL GSM - CENÁRIO URBANO</a:t>
-            </a:r>
-            <a:endParaRPr lang="pt-PT" dirty="0"/>
-          </a:p>
-        </p:txBody>
-      </p:sp>
-      <p:sp>
-        <p:nvSpPr>
-          <p:cNvPr id="13" name="Marcador de Posição do Rodapé 13">
-            <a:extLst>
-              <a:ext uri="{FF2B5EF4-FFF2-40B4-BE49-F238E27FC236}">
-                <a16:creationId xmlns:a16="http://schemas.microsoft.com/office/drawing/2014/main" id="{E642BF67-77B2-417A-A92F-8164DF932B44}"/>
-              </a:ext>
-            </a:extLst>
-          </p:cNvPr>
-          <p:cNvSpPr>
-            <a:spLocks noGrp="1"/>
-          </p:cNvSpPr>
-          <p:nvPr>
-            <p:ph type="ftr" sz="quarter" idx="11"/>
-          </p:nvPr>
-        </p:nvSpPr>
-        <p:spPr>
-          <a:xfrm>
-            <a:off x="9227890" y="6507212"/>
-            <a:ext cx="1912690" cy="153888"/>
-          </a:xfrm>
-        </p:spPr>
-        <p:txBody>
-          <a:bodyPr rtlCol="0"/>
-          <a:lstStyle/>
-          <a:p>
-            <a:pPr rtl="0"/>
-            <a:r>
-              <a:rPr lang="en-US" sz="1000" dirty="0"/>
-              <a:t>COMUNICAÇÕES MÓVEIS</a:t>
-            </a:r>
-          </a:p>
-        </p:txBody>
-      </p:sp>
-      <p:pic>
-        <p:nvPicPr>
-          <p:cNvPr id="15" name="Imagem 14">
-            <a:extLst>
-              <a:ext uri="{FF2B5EF4-FFF2-40B4-BE49-F238E27FC236}">
-                <a16:creationId xmlns:a16="http://schemas.microsoft.com/office/drawing/2014/main" id="{40F8B09C-0B78-0E5D-DCA6-38780919496D}"/>
-              </a:ext>
-            </a:extLst>
-          </p:cNvPr>
-          <p:cNvPicPr>
-            <a:picLocks noChangeAspect="1"/>
-          </p:cNvPicPr>
-          <p:nvPr/>
-        </p:nvPicPr>
-        <p:blipFill>
-          <a:blip r:embed="rId3"/>
-          <a:stretch>
-            <a:fillRect/>
-          </a:stretch>
-        </p:blipFill>
-        <p:spPr>
-          <a:xfrm>
-            <a:off x="7751763" y="4167261"/>
-            <a:ext cx="2197100" cy="2197100"/>
-          </a:xfrm>
-          <a:prstGeom prst="rect">
-            <a:avLst/>
-          </a:prstGeom>
-        </p:spPr>
-      </p:pic>
-    </p:spTree>
-    <p:extLst>
-      <p:ext uri="{BB962C8B-B14F-4D97-AF65-F5344CB8AC3E}">
-        <p14:creationId xmlns:p14="http://schemas.microsoft.com/office/powerpoint/2010/main" val="3247798845"/>
       </p:ext>
     </p:extLst>
   </p:cSld>
